--- a/Präsentation1.pptx
+++ b/Präsentation1.pptx
@@ -5,18 +5,19 @@
     <p:sldMasterId id="2147483648" r:id="rId1"/>
   </p:sldMasterIdLst>
   <p:notesMasterIdLst>
-    <p:notesMasterId r:id="rId8"/>
+    <p:notesMasterId r:id="rId9"/>
   </p:notesMasterIdLst>
   <p:handoutMasterIdLst>
-    <p:handoutMasterId r:id="rId9"/>
+    <p:handoutMasterId r:id="rId10"/>
   </p:handoutMasterIdLst>
   <p:sldIdLst>
     <p:sldId id="256" r:id="rId2"/>
-    <p:sldId id="257" r:id="rId3"/>
-    <p:sldId id="260" r:id="rId4"/>
-    <p:sldId id="259" r:id="rId5"/>
-    <p:sldId id="258" r:id="rId6"/>
-    <p:sldId id="261" r:id="rId7"/>
+    <p:sldId id="262" r:id="rId3"/>
+    <p:sldId id="257" r:id="rId4"/>
+    <p:sldId id="260" r:id="rId5"/>
+    <p:sldId id="259" r:id="rId6"/>
+    <p:sldId id="258" r:id="rId7"/>
+    <p:sldId id="261" r:id="rId8"/>
   </p:sldIdLst>
   <p:sldSz cx="9144000" cy="6858000" type="screen4x3"/>
   <p:notesSz cx="6858000" cy="9144000"/>
@@ -115,6 +116,22 @@
       </a:defRPr>
     </a:lvl9pPr>
   </p:defaultTextStyle>
+  <p:extLst>
+    <p:ext uri="{EFAFB233-063F-42B5-8137-9DF3F51BA10A}">
+      <p15:sldGuideLst xmlns:p15="http://schemas.microsoft.com/office/powerpoint/2012/main">
+        <p15:guide id="1" orient="horz" pos="2160">
+          <p15:clr>
+            <a:srgbClr val="A4A3A4"/>
+          </p15:clr>
+        </p15:guide>
+        <p15:guide id="2" pos="2880">
+          <p15:clr>
+            <a:srgbClr val="A4A3A4"/>
+          </p15:clr>
+        </p15:guide>
+      </p15:sldGuideLst>
+    </p:ext>
+  </p:extLst>
 </p:presentation>
 </file>
 
@@ -200,7 +217,7 @@
           <a:p>
             <a:fld id="{10B417BB-00CA-2249-A870-19701BDE3627}" type="datetimeFigureOut">
               <a:rPr lang="de-DE" smtClean="0"/>
-              <a:t>12/12/15</a:t>
+              <a:t>13.12.2015</a:t>
             </a:fld>
             <a:endParaRPr lang="de-DE"/>
           </a:p>
@@ -366,7 +383,7 @@
           <a:p>
             <a:fld id="{257CD305-2488-AC43-AF42-3BC7F5036A14}" type="datetimeFigureOut">
               <a:rPr lang="de-DE" smtClean="0"/>
-              <a:t>12/12/15</a:t>
+              <a:t>13.12.2015</a:t>
             </a:fld>
             <a:endParaRPr lang="de-DE"/>
           </a:p>
@@ -816,7 +833,7 @@
           <a:p>
             <a:fld id="{91F45557-355E-9642-9919-A38D6CF07754}" type="datetime3">
               <a:rPr lang="en-US" smtClean="0"/>
-              <a:t>12 Dezember 2015</a:t>
+              <a:t>13 December 2015</a:t>
             </a:fld>
             <a:endParaRPr lang="en-US"/>
           </a:p>
@@ -990,7 +1007,7 @@
           <a:p>
             <a:fld id="{626CD214-F5E0-A641-95E5-7D8D9ABA2041}" type="datetime3">
               <a:rPr lang="en-US" smtClean="0"/>
-              <a:t>12 Dezember 2015</a:t>
+              <a:t>13 December 2015</a:t>
             </a:fld>
             <a:endParaRPr lang="en-US"/>
           </a:p>
@@ -1174,7 +1191,7 @@
           <a:p>
             <a:fld id="{1D4502F1-F76B-9F4F-9FC5-57CB53567610}" type="datetime3">
               <a:rPr lang="en-US" smtClean="0"/>
-              <a:t>12 Dezember 2015</a:t>
+              <a:t>13 December 2015</a:t>
             </a:fld>
             <a:endParaRPr lang="en-US"/>
           </a:p>
@@ -1348,7 +1365,7 @@
           <a:p>
             <a:fld id="{9FB7C5CD-96B1-3E43-8C31-C5DCC457890D}" type="datetime3">
               <a:rPr lang="en-US" smtClean="0"/>
-              <a:t>12 Dezember 2015</a:t>
+              <a:t>13 December 2015</a:t>
             </a:fld>
             <a:endParaRPr lang="en-US"/>
           </a:p>
@@ -1598,7 +1615,7 @@
           <a:p>
             <a:fld id="{8B05923C-900A-384B-B96B-6D3B226C65E7}" type="datetime3">
               <a:rPr lang="en-US" smtClean="0"/>
-              <a:t>12 Dezember 2015</a:t>
+              <a:t>13 December 2015</a:t>
             </a:fld>
             <a:endParaRPr lang="en-US"/>
           </a:p>
@@ -1890,7 +1907,7 @@
           <a:p>
             <a:fld id="{36FCF8BA-8A8D-5146-9863-FB9B752A5237}" type="datetime3">
               <a:rPr lang="en-US" smtClean="0"/>
-              <a:t>12 Dezember 2015</a:t>
+              <a:t>13 December 2015</a:t>
             </a:fld>
             <a:endParaRPr lang="en-US"/>
           </a:p>
@@ -2316,7 +2333,7 @@
           <a:p>
             <a:fld id="{125BD14C-9C09-B042-92E3-E5B4D37A09B2}" type="datetime3">
               <a:rPr lang="en-US" smtClean="0"/>
-              <a:t>12 Dezember 2015</a:t>
+              <a:t>13 December 2015</a:t>
             </a:fld>
             <a:endParaRPr lang="en-US"/>
           </a:p>
@@ -2438,7 +2455,7 @@
           <a:p>
             <a:fld id="{F8027EAA-9B26-F045-8577-5A300BF59E99}" type="datetime3">
               <a:rPr lang="en-US" smtClean="0"/>
-              <a:t>12 Dezember 2015</a:t>
+              <a:t>13 December 2015</a:t>
             </a:fld>
             <a:endParaRPr lang="en-US"/>
           </a:p>
@@ -2537,7 +2554,7 @@
           <a:p>
             <a:fld id="{3CD6F525-7D65-F347-8465-0367A29BE033}" type="datetime3">
               <a:rPr lang="en-US" smtClean="0"/>
-              <a:t>12 Dezember 2015</a:t>
+              <a:t>13 December 2015</a:t>
             </a:fld>
             <a:endParaRPr lang="en-US"/>
           </a:p>
@@ -2818,7 +2835,7 @@
           <a:p>
             <a:fld id="{9BCDEC00-0BC2-F74D-B0B6-9337E3400229}" type="datetime3">
               <a:rPr lang="en-US" smtClean="0"/>
-              <a:t>12 Dezember 2015</a:t>
+              <a:t>13 December 2015</a:t>
             </a:fld>
             <a:endParaRPr lang="en-US"/>
           </a:p>
@@ -3079,7 +3096,7 @@
           <a:p>
             <a:fld id="{097D9228-8357-1B4A-8870-5AC467A81F12}" type="datetime3">
               <a:rPr lang="en-US" smtClean="0"/>
-              <a:t>12 Dezember 2015</a:t>
+              <a:t>13 December 2015</a:t>
             </a:fld>
             <a:endParaRPr lang="en-US"/>
           </a:p>
@@ -3296,7 +3313,7 @@
           <a:p>
             <a:fld id="{E22B0BE6-5AD3-7449-8F4B-1C9760AFA5F5}" type="datetime3">
               <a:rPr lang="en-US" smtClean="0"/>
-              <a:t>12 Dezember 2015</a:t>
+              <a:t>13 December 2015</a:t>
             </a:fld>
             <a:endParaRPr lang="en-US"/>
           </a:p>
@@ -3718,7 +3735,6 @@
               <a:rPr lang="de-DE" sz="3600" dirty="0"/>
               <a:t> </a:t>
             </a:r>
-            <a:endParaRPr lang="de-DE" sz="3600" dirty="0"/>
           </a:p>
         </p:txBody>
       </p:sp>
@@ -3731,7 +3747,7 @@
           <p:nvPr/>
         </p:nvPicPr>
         <p:blipFill>
-          <a:blip r:embed="rId2">
+          <a:blip r:embed="rId2" cstate="email">
             <a:extLst>
               <a:ext uri="{28A0092B-C50C-407E-A947-70E740481C1C}">
                 <a14:useLocalDpi xmlns:a14="http://schemas.microsoft.com/office/drawing/2010/main" val="0"/>
@@ -3826,7 +3842,7 @@
           <a:p>
             <a:fld id="{9FB7C5CD-96B1-3E43-8C31-C5DCC457890D}" type="datetime3">
               <a:rPr lang="en-US" smtClean="0"/>
-              <a:t>12 Dezember 2015</a:t>
+              <a:t>13 December 2015</a:t>
             </a:fld>
             <a:endParaRPr lang="en-US" dirty="0"/>
           </a:p>
@@ -3845,7 +3861,7 @@
   <p:timing>
     <p:tnLst>
       <p:par>
-        <p:cTn xmlns:p14="http://schemas.microsoft.com/office/powerpoint/2010/main" id="1" dur="indefinite" restart="never" nodeType="tmRoot"/>
+        <p:cTn id="1" dur="indefinite" restart="never" nodeType="tmRoot"/>
       </p:par>
     </p:tnLst>
   </p:timing>
@@ -3871,141 +3887,176 @@
       </p:grpSpPr>
       <p:sp>
         <p:nvSpPr>
-          <p:cNvPr id="2" name="Titel 1"/>
-          <p:cNvSpPr>
-            <a:spLocks noGrp="1"/>
-          </p:cNvSpPr>
-          <p:nvPr>
-            <p:ph type="title"/>
-          </p:nvPr>
-        </p:nvSpPr>
-        <p:spPr/>
-        <p:txBody>
-          <a:bodyPr/>
-          <a:lstStyle/>
-          <a:p>
-            <a:pPr algn="r"/>
-            <a:r>
-              <a:rPr lang="de-DE" dirty="0" err="1" smtClean="0"/>
-              <a:t>getFeature</a:t>
-            </a:r>
-            <a:r>
-              <a:rPr lang="de-DE" dirty="0" smtClean="0"/>
-              <a:t>()</a:t>
-            </a:r>
-            <a:endParaRPr lang="de-DE" dirty="0"/>
+          <p:cNvPr id="5" name="Fußzeilenplatzhalter 4"/>
+          <p:cNvSpPr>
+            <a:spLocks noGrp="1"/>
+          </p:cNvSpPr>
+          <p:nvPr>
+            <p:ph type="ftr" sz="quarter" idx="11"/>
+          </p:nvPr>
+        </p:nvSpPr>
+        <p:spPr>
+          <a:xfrm>
+            <a:off x="121236" y="6345266"/>
+            <a:ext cx="3852317" cy="365125"/>
+          </a:xfrm>
+        </p:spPr>
+        <p:txBody>
+          <a:bodyPr/>
+          <a:lstStyle/>
+          <a:p>
+            <a:r>
+              <a:rPr lang="en-US" dirty="0" smtClean="0"/>
+              <a:t>Jacob </a:t>
+            </a:r>
+            <a:r>
+              <a:rPr lang="en-US" dirty="0" err="1" smtClean="0"/>
+              <a:t>Rassmusen</a:t>
+            </a:r>
+            <a:r>
+              <a:rPr lang="en-US" dirty="0" smtClean="0"/>
+              <a:t>, </a:t>
+            </a:r>
+            <a:r>
+              <a:rPr lang="en-US" dirty="0" err="1" smtClean="0"/>
+              <a:t>Fabrizio</a:t>
+            </a:r>
+            <a:r>
+              <a:rPr lang="en-US" dirty="0" smtClean="0"/>
+              <a:t> </a:t>
+            </a:r>
+            <a:r>
+              <a:rPr lang="en-US" dirty="0" err="1" smtClean="0"/>
+              <a:t>Parillo</a:t>
+            </a:r>
+            <a:r>
+              <a:rPr lang="en-US" dirty="0" smtClean="0"/>
+              <a:t>, Steffen Griesch</a:t>
+            </a:r>
+            <a:endParaRPr lang="en-US" dirty="0"/>
+          </a:p>
+        </p:txBody>
+      </p:sp>
+      <p:sp>
+        <p:nvSpPr>
+          <p:cNvPr id="6" name="Datumsplatzhalter 3"/>
+          <p:cNvSpPr>
+            <a:spLocks noGrp="1"/>
+          </p:cNvSpPr>
+          <p:nvPr>
+            <p:ph type="dt" sz="half" idx="10"/>
+          </p:nvPr>
+        </p:nvSpPr>
+        <p:spPr>
+          <a:xfrm>
+            <a:off x="7417510" y="6345266"/>
+            <a:ext cx="1605217" cy="365125"/>
+          </a:xfrm>
+        </p:spPr>
+        <p:txBody>
+          <a:bodyPr/>
+          <a:lstStyle/>
+          <a:p>
+            <a:fld id="{9FB7C5CD-96B1-3E43-8C31-C5DCC457890D}" type="datetime3">
+              <a:rPr lang="en-US" smtClean="0"/>
+              <a:t>13 December 2015</a:t>
+            </a:fld>
+            <a:endParaRPr lang="en-US" dirty="0"/>
           </a:p>
         </p:txBody>
       </p:sp>
       <p:pic>
         <p:nvPicPr>
-          <p:cNvPr id="6" name="Inhaltsplatzhalter 5" descr="Screen Shot 2015-12-12 at 21.32.14.jpg"/>
+          <p:cNvPr id="2" name="Grafik 1"/>
           <p:cNvPicPr>
-            <a:picLocks noGrp="1" noChangeAspect="1"/>
+            <a:picLocks noChangeAspect="1"/>
           </p:cNvPicPr>
-          <p:nvPr>
-            <p:ph idx="1"/>
-          </p:nvPr>
+          <p:nvPr/>
         </p:nvPicPr>
         <p:blipFill>
           <a:blip r:embed="rId2">
+            <a:duotone>
+              <a:schemeClr val="accent1">
+                <a:shade val="45000"/>
+                <a:satMod val="135000"/>
+              </a:schemeClr>
+              <a:prstClr val="white"/>
+            </a:duotone>
             <a:extLst>
               <a:ext uri="{28A0092B-C50C-407E-A947-70E740481C1C}">
                 <a14:useLocalDpi xmlns:a14="http://schemas.microsoft.com/office/drawing/2010/main" val="0"/>
               </a:ext>
             </a:extLst>
           </a:blip>
-          <a:srcRect l="-33648" r="-33648"/>
           <a:stretch>
             <a:fillRect/>
           </a:stretch>
         </p:blipFill>
-        <p:spPr/>
-      </p:pic>
-      <p:sp>
-        <p:nvSpPr>
-          <p:cNvPr id="4" name="Datumsplatzhalter 3"/>
-          <p:cNvSpPr>
-            <a:spLocks noGrp="1"/>
-          </p:cNvSpPr>
-          <p:nvPr>
-            <p:ph type="dt" sz="half" idx="10"/>
-          </p:nvPr>
-        </p:nvSpPr>
         <p:spPr>
           <a:xfrm>
-            <a:off x="7417510" y="6345266"/>
-            <a:ext cx="1605217" cy="365125"/>
+            <a:off x="771525" y="1028700"/>
+            <a:ext cx="7600950" cy="4800600"/>
           </a:xfrm>
+          <a:prstGeom prst="rect">
+            <a:avLst/>
+          </a:prstGeom>
         </p:spPr>
-        <p:txBody>
-          <a:bodyPr/>
-          <a:lstStyle/>
-          <a:p>
-            <a:fld id="{9FB7C5CD-96B1-3E43-8C31-C5DCC457890D}" type="datetime3">
-              <a:rPr lang="en-US" smtClean="0"/>
-              <a:t>12 Dezember 2015</a:t>
-            </a:fld>
-            <a:endParaRPr lang="en-US" dirty="0"/>
-          </a:p>
-        </p:txBody>
-      </p:sp>
-      <p:sp>
-        <p:nvSpPr>
-          <p:cNvPr id="5" name="Fußzeilenplatzhalter 4"/>
-          <p:cNvSpPr>
-            <a:spLocks noGrp="1"/>
-          </p:cNvSpPr>
-          <p:nvPr>
-            <p:ph type="ftr" sz="quarter" idx="11"/>
-          </p:nvPr>
+      </p:pic>
+      <p:sp>
+        <p:nvSpPr>
+          <p:cNvPr id="7" name="Titel 1"/>
+          <p:cNvSpPr txBox="1">
+            <a:spLocks/>
+          </p:cNvSpPr>
+          <p:nvPr/>
         </p:nvSpPr>
         <p:spPr>
           <a:xfrm>
-            <a:off x="121236" y="6345266"/>
-            <a:ext cx="3852317" cy="365125"/>
+            <a:off x="457200" y="274638"/>
+            <a:ext cx="8229600" cy="1143000"/>
           </a:xfrm>
+          <a:prstGeom prst="rect">
+            <a:avLst/>
+          </a:prstGeom>
         </p:spPr>
         <p:txBody>
-          <a:bodyPr/>
-          <a:lstStyle/>
-          <a:p>
-            <a:r>
-              <a:rPr lang="en-US" dirty="0" smtClean="0"/>
-              <a:t>Jacob </a:t>
-            </a:r>
-            <a:r>
-              <a:rPr lang="en-US" dirty="0" err="1" smtClean="0"/>
-              <a:t>Rassmusen</a:t>
-            </a:r>
-            <a:r>
-              <a:rPr lang="en-US" dirty="0" smtClean="0"/>
-              <a:t>, </a:t>
-            </a:r>
-            <a:r>
-              <a:rPr lang="en-US" dirty="0" err="1" smtClean="0"/>
-              <a:t>Fabrizio</a:t>
-            </a:r>
-            <a:r>
-              <a:rPr lang="en-US" dirty="0" smtClean="0"/>
-              <a:t> </a:t>
-            </a:r>
-            <a:r>
-              <a:rPr lang="en-US" dirty="0" err="1" smtClean="0"/>
-              <a:t>Parillo</a:t>
-            </a:r>
-            <a:r>
-              <a:rPr lang="en-US" dirty="0" smtClean="0"/>
-              <a:t>, Steffen Griesch</a:t>
-            </a:r>
-            <a:endParaRPr lang="en-US" dirty="0"/>
+          <a:bodyPr vert="horz" lIns="91440" tIns="45720" rIns="91440" bIns="45720" rtlCol="0" anchor="ctr">
+            <a:normAutofit/>
+          </a:bodyPr>
+          <a:lstStyle>
+            <a:lvl1pPr algn="ctr" defTabSz="914400" rtl="0" eaLnBrk="1" latinLnBrk="0" hangingPunct="1">
+              <a:spcBef>
+                <a:spcPct val="0"/>
+              </a:spcBef>
+              <a:buNone/>
+              <a:defRPr sz="4400" kern="1200">
+                <a:solidFill>
+                  <a:schemeClr val="tx1"/>
+                </a:solidFill>
+                <a:latin typeface="+mj-lt"/>
+                <a:ea typeface="+mj-ea"/>
+                <a:cs typeface="+mj-cs"/>
+              </a:defRPr>
+            </a:lvl1pPr>
+          </a:lstStyle>
+          <a:p>
+            <a:pPr algn="r"/>
+            <a:r>
+              <a:rPr lang="de-DE" dirty="0" smtClean="0"/>
+              <a:t>Code </a:t>
+            </a:r>
+            <a:r>
+              <a:rPr lang="de-DE" dirty="0" err="1" smtClean="0"/>
+              <a:t>structure</a:t>
+            </a:r>
+            <a:endParaRPr lang="de-DE" dirty="0"/>
           </a:p>
         </p:txBody>
       </p:sp>
     </p:spTree>
     <p:extLst>
       <p:ext uri="{BB962C8B-B14F-4D97-AF65-F5344CB8AC3E}">
-        <p14:creationId xmlns:p14="http://schemas.microsoft.com/office/powerpoint/2010/main" val="2185893571"/>
+        <p14:creationId xmlns:p14="http://schemas.microsoft.com/office/powerpoint/2010/main" val="1675478992"/>
       </p:ext>
     </p:extLst>
   </p:cSld>
@@ -4015,7 +4066,7 @@
   <p:timing>
     <p:tnLst>
       <p:par>
-        <p:cTn xmlns:p14="http://schemas.microsoft.com/office/powerpoint/2010/main" id="1" dur="indefinite" restart="never" nodeType="tmRoot"/>
+        <p:cTn id="1" dur="indefinite" restart="never" nodeType="tmRoot"/>
       </p:par>
     </p:tnLst>
   </p:timing>
@@ -4057,7 +4108,7 @@
             <a:pPr algn="r"/>
             <a:r>
               <a:rPr lang="de-DE" dirty="0" err="1" smtClean="0"/>
-              <a:t>features_Container</a:t>
+              <a:t>getFeature</a:t>
             </a:r>
             <a:r>
               <a:rPr lang="de-DE" dirty="0" smtClean="0"/>
@@ -4069,7 +4120,7 @@
       </p:sp>
       <p:pic>
         <p:nvPicPr>
-          <p:cNvPr id="6" name="Inhaltsplatzhalter 5" descr="Screen Shot 2015-12-12 at 21.34.29.jpg"/>
+          <p:cNvPr id="6" name="Inhaltsplatzhalter 5" descr="Screen Shot 2015-12-12 at 21.32.14.jpg"/>
           <p:cNvPicPr>
             <a:picLocks noGrp="1" noChangeAspect="1"/>
           </p:cNvPicPr>
@@ -4078,14 +4129,14 @@
           </p:nvPr>
         </p:nvPicPr>
         <p:blipFill>
-          <a:blip r:embed="rId2">
+          <a:blip r:embed="rId2" cstate="email">
             <a:extLst>
               <a:ext uri="{28A0092B-C50C-407E-A947-70E740481C1C}">
                 <a14:useLocalDpi xmlns:a14="http://schemas.microsoft.com/office/drawing/2010/main" val="0"/>
               </a:ext>
             </a:extLst>
           </a:blip>
-          <a:srcRect l="-7502" r="-7502"/>
+          <a:srcRect l="-33648" r="-33648"/>
           <a:stretch>
             <a:fillRect/>
           </a:stretch>
@@ -4114,7 +4165,7 @@
           <a:p>
             <a:fld id="{9FB7C5CD-96B1-3E43-8C31-C5DCC457890D}" type="datetime3">
               <a:rPr lang="en-US" smtClean="0"/>
-              <a:t>12 Dezember 2015</a:t>
+              <a:t>13 December 2015</a:t>
             </a:fld>
             <a:endParaRPr lang="en-US" dirty="0"/>
           </a:p>
@@ -4175,7 +4226,7 @@
     </p:spTree>
     <p:extLst>
       <p:ext uri="{BB962C8B-B14F-4D97-AF65-F5344CB8AC3E}">
-        <p14:creationId xmlns:p14="http://schemas.microsoft.com/office/powerpoint/2010/main" val="1953586327"/>
+        <p14:creationId xmlns:p14="http://schemas.microsoft.com/office/powerpoint/2010/main" val="2185893571"/>
       </p:ext>
     </p:extLst>
   </p:cSld>
@@ -4185,7 +4236,7 @@
   <p:timing>
     <p:tnLst>
       <p:par>
-        <p:cTn xmlns:p14="http://schemas.microsoft.com/office/powerpoint/2010/main" id="1" dur="indefinite" restart="never" nodeType="tmRoot"/>
+        <p:cTn id="1" dur="indefinite" restart="never" nodeType="tmRoot"/>
       </p:par>
     </p:tnLst>
   </p:timing>
@@ -4227,7 +4278,7 @@
             <a:pPr algn="r"/>
             <a:r>
               <a:rPr lang="de-DE" dirty="0" err="1" smtClean="0"/>
-              <a:t>statistics</a:t>
+              <a:t>features_Container</a:t>
             </a:r>
             <a:r>
               <a:rPr lang="de-DE" dirty="0" smtClean="0"/>
@@ -4239,7 +4290,7 @@
       </p:sp>
       <p:pic>
         <p:nvPicPr>
-          <p:cNvPr id="6" name="Inhaltsplatzhalter 5" descr="Screen Shot 2015-12-12 at 21.36.49.jpg"/>
+          <p:cNvPr id="6" name="Inhaltsplatzhalter 5" descr="Screen Shot 2015-12-12 at 21.34.29.jpg"/>
           <p:cNvPicPr>
             <a:picLocks noGrp="1" noChangeAspect="1"/>
           </p:cNvPicPr>
@@ -4255,7 +4306,7 @@
               </a:ext>
             </a:extLst>
           </a:blip>
-          <a:srcRect l="-20178" r="-20178"/>
+          <a:srcRect l="-7502" r="-7502"/>
           <a:stretch>
             <a:fillRect/>
           </a:stretch>
@@ -4284,7 +4335,7 @@
           <a:p>
             <a:fld id="{9FB7C5CD-96B1-3E43-8C31-C5DCC457890D}" type="datetime3">
               <a:rPr lang="en-US" smtClean="0"/>
-              <a:t>12 Dezember 2015</a:t>
+              <a:t>13 December 2015</a:t>
             </a:fld>
             <a:endParaRPr lang="en-US" dirty="0"/>
           </a:p>
@@ -4345,7 +4396,7 @@
     </p:spTree>
     <p:extLst>
       <p:ext uri="{BB962C8B-B14F-4D97-AF65-F5344CB8AC3E}">
-        <p14:creationId xmlns:p14="http://schemas.microsoft.com/office/powerpoint/2010/main" val="1549982370"/>
+        <p14:creationId xmlns:p14="http://schemas.microsoft.com/office/powerpoint/2010/main" val="1953586327"/>
       </p:ext>
     </p:extLst>
   </p:cSld>
@@ -4355,7 +4406,7 @@
   <p:timing>
     <p:tnLst>
       <p:par>
-        <p:cTn xmlns:p14="http://schemas.microsoft.com/office/powerpoint/2010/main" id="1" dur="indefinite" restart="never" nodeType="tmRoot"/>
+        <p:cTn id="1" dur="indefinite" restart="never" nodeType="tmRoot"/>
       </p:par>
     </p:tnLst>
   </p:timing>
@@ -4397,7 +4448,7 @@
             <a:pPr algn="r"/>
             <a:r>
               <a:rPr lang="de-DE" dirty="0" err="1" smtClean="0"/>
-              <a:t>searchFeature</a:t>
+              <a:t>statistics</a:t>
             </a:r>
             <a:r>
               <a:rPr lang="de-DE" dirty="0" smtClean="0"/>
@@ -4409,7 +4460,7 @@
       </p:sp>
       <p:pic>
         <p:nvPicPr>
-          <p:cNvPr id="6" name="Inhaltsplatzhalter 5" descr="Screen Shot 2015-12-12 at 21.38.40.jpg"/>
+          <p:cNvPr id="6" name="Inhaltsplatzhalter 5" descr="Screen Shot 2015-12-12 at 21.36.49.jpg"/>
           <p:cNvPicPr>
             <a:picLocks noGrp="1" noChangeAspect="1"/>
           </p:cNvPicPr>
@@ -4418,14 +4469,14 @@
           </p:nvPr>
         </p:nvPicPr>
         <p:blipFill>
-          <a:blip r:embed="rId2">
+          <a:blip r:embed="rId2" cstate="email">
             <a:extLst>
               <a:ext uri="{28A0092B-C50C-407E-A947-70E740481C1C}">
                 <a14:useLocalDpi xmlns:a14="http://schemas.microsoft.com/office/drawing/2010/main" val="0"/>
               </a:ext>
             </a:extLst>
           </a:blip>
-          <a:srcRect t="-27952" b="-27952"/>
+          <a:srcRect l="-20178" r="-20178"/>
           <a:stretch>
             <a:fillRect/>
           </a:stretch>
@@ -4454,7 +4505,7 @@
           <a:p>
             <a:fld id="{9FB7C5CD-96B1-3E43-8C31-C5DCC457890D}" type="datetime3">
               <a:rPr lang="en-US" smtClean="0"/>
-              <a:t>12 Dezember 2015</a:t>
+              <a:t>13 December 2015</a:t>
             </a:fld>
             <a:endParaRPr lang="en-US" dirty="0"/>
           </a:p>
@@ -4515,7 +4566,7 @@
     </p:spTree>
     <p:extLst>
       <p:ext uri="{BB962C8B-B14F-4D97-AF65-F5344CB8AC3E}">
-        <p14:creationId xmlns:p14="http://schemas.microsoft.com/office/powerpoint/2010/main" val="727028025"/>
+        <p14:creationId xmlns:p14="http://schemas.microsoft.com/office/powerpoint/2010/main" val="1549982370"/>
       </p:ext>
     </p:extLst>
   </p:cSld>
@@ -4525,7 +4576,7 @@
   <p:timing>
     <p:tnLst>
       <p:par>
-        <p:cTn xmlns:p14="http://schemas.microsoft.com/office/powerpoint/2010/main" id="1" dur="indefinite" restart="never" nodeType="tmRoot"/>
+        <p:cTn id="1" dur="indefinite" restart="never" nodeType="tmRoot"/>
       </p:par>
     </p:tnLst>
   </p:timing>
@@ -4566,6 +4617,176 @@
           <a:p>
             <a:pPr algn="r"/>
             <a:r>
+              <a:rPr lang="de-DE" dirty="0" err="1" smtClean="0"/>
+              <a:t>searchFeature</a:t>
+            </a:r>
+            <a:r>
+              <a:rPr lang="de-DE" dirty="0" smtClean="0"/>
+              <a:t>()</a:t>
+            </a:r>
+            <a:endParaRPr lang="de-DE" dirty="0"/>
+          </a:p>
+        </p:txBody>
+      </p:sp>
+      <p:pic>
+        <p:nvPicPr>
+          <p:cNvPr id="6" name="Inhaltsplatzhalter 5" descr="Screen Shot 2015-12-12 at 21.38.40.jpg"/>
+          <p:cNvPicPr>
+            <a:picLocks noGrp="1" noChangeAspect="1"/>
+          </p:cNvPicPr>
+          <p:nvPr>
+            <p:ph idx="1"/>
+          </p:nvPr>
+        </p:nvPicPr>
+        <p:blipFill>
+          <a:blip r:embed="rId2" cstate="email">
+            <a:extLst>
+              <a:ext uri="{28A0092B-C50C-407E-A947-70E740481C1C}">
+                <a14:useLocalDpi xmlns:a14="http://schemas.microsoft.com/office/drawing/2010/main" val="0"/>
+              </a:ext>
+            </a:extLst>
+          </a:blip>
+          <a:srcRect t="-27952" b="-27952"/>
+          <a:stretch>
+            <a:fillRect/>
+          </a:stretch>
+        </p:blipFill>
+        <p:spPr/>
+      </p:pic>
+      <p:sp>
+        <p:nvSpPr>
+          <p:cNvPr id="4" name="Datumsplatzhalter 3"/>
+          <p:cNvSpPr>
+            <a:spLocks noGrp="1"/>
+          </p:cNvSpPr>
+          <p:nvPr>
+            <p:ph type="dt" sz="half" idx="10"/>
+          </p:nvPr>
+        </p:nvSpPr>
+        <p:spPr>
+          <a:xfrm>
+            <a:off x="7417510" y="6345266"/>
+            <a:ext cx="1605217" cy="365125"/>
+          </a:xfrm>
+        </p:spPr>
+        <p:txBody>
+          <a:bodyPr/>
+          <a:lstStyle/>
+          <a:p>
+            <a:fld id="{9FB7C5CD-96B1-3E43-8C31-C5DCC457890D}" type="datetime3">
+              <a:rPr lang="en-US" smtClean="0"/>
+              <a:t>13 December 2015</a:t>
+            </a:fld>
+            <a:endParaRPr lang="en-US" dirty="0"/>
+          </a:p>
+        </p:txBody>
+      </p:sp>
+      <p:sp>
+        <p:nvSpPr>
+          <p:cNvPr id="5" name="Fußzeilenplatzhalter 4"/>
+          <p:cNvSpPr>
+            <a:spLocks noGrp="1"/>
+          </p:cNvSpPr>
+          <p:nvPr>
+            <p:ph type="ftr" sz="quarter" idx="11"/>
+          </p:nvPr>
+        </p:nvSpPr>
+        <p:spPr>
+          <a:xfrm>
+            <a:off x="121236" y="6345266"/>
+            <a:ext cx="3852317" cy="365125"/>
+          </a:xfrm>
+        </p:spPr>
+        <p:txBody>
+          <a:bodyPr/>
+          <a:lstStyle/>
+          <a:p>
+            <a:r>
+              <a:rPr lang="en-US" dirty="0" smtClean="0"/>
+              <a:t>Jacob </a:t>
+            </a:r>
+            <a:r>
+              <a:rPr lang="en-US" dirty="0" err="1" smtClean="0"/>
+              <a:t>Rassmusen</a:t>
+            </a:r>
+            <a:r>
+              <a:rPr lang="en-US" dirty="0" smtClean="0"/>
+              <a:t>, </a:t>
+            </a:r>
+            <a:r>
+              <a:rPr lang="en-US" dirty="0" err="1" smtClean="0"/>
+              <a:t>Fabrizio</a:t>
+            </a:r>
+            <a:r>
+              <a:rPr lang="en-US" dirty="0" smtClean="0"/>
+              <a:t> </a:t>
+            </a:r>
+            <a:r>
+              <a:rPr lang="en-US" dirty="0" err="1" smtClean="0"/>
+              <a:t>Parillo</a:t>
+            </a:r>
+            <a:r>
+              <a:rPr lang="en-US" dirty="0" smtClean="0"/>
+              <a:t>, Steffen Griesch</a:t>
+            </a:r>
+            <a:endParaRPr lang="en-US" dirty="0"/>
+          </a:p>
+        </p:txBody>
+      </p:sp>
+    </p:spTree>
+    <p:extLst>
+      <p:ext uri="{BB962C8B-B14F-4D97-AF65-F5344CB8AC3E}">
+        <p14:creationId xmlns:p14="http://schemas.microsoft.com/office/powerpoint/2010/main" val="727028025"/>
+      </p:ext>
+    </p:extLst>
+  </p:cSld>
+  <p:clrMapOvr>
+    <a:masterClrMapping/>
+  </p:clrMapOvr>
+  <p:timing>
+    <p:tnLst>
+      <p:par>
+        <p:cTn id="1" dur="indefinite" restart="never" nodeType="tmRoot"/>
+      </p:par>
+    </p:tnLst>
+  </p:timing>
+</p:sld>
+</file>
+
+<file path=ppt/slides/slide7.xml><?xml version="1.0" encoding="utf-8"?>
+<p:sld xmlns:a="http://schemas.openxmlformats.org/drawingml/2006/main" xmlns:r="http://schemas.openxmlformats.org/officeDocument/2006/relationships" xmlns:p="http://schemas.openxmlformats.org/presentationml/2006/main">
+  <p:cSld>
+    <p:spTree>
+      <p:nvGrpSpPr>
+        <p:cNvPr id="1" name=""/>
+        <p:cNvGrpSpPr/>
+        <p:nvPr/>
+      </p:nvGrpSpPr>
+      <p:grpSpPr>
+        <a:xfrm>
+          <a:off x="0" y="0"/>
+          <a:ext cx="0" cy="0"/>
+          <a:chOff x="0" y="0"/>
+          <a:chExt cx="0" cy="0"/>
+        </a:xfrm>
+      </p:grpSpPr>
+      <p:sp>
+        <p:nvSpPr>
+          <p:cNvPr id="2" name="Titel 1"/>
+          <p:cNvSpPr>
+            <a:spLocks noGrp="1"/>
+          </p:cNvSpPr>
+          <p:nvPr>
+            <p:ph type="title"/>
+          </p:nvPr>
+        </p:nvSpPr>
+        <p:spPr/>
+        <p:txBody>
+          <a:bodyPr/>
+          <a:lstStyle/>
+          <a:p>
+            <a:pPr algn="r"/>
+            <a:r>
               <a:rPr lang="de-DE" dirty="0" err="1"/>
               <a:t>searchFeature</a:t>
             </a:r>
@@ -4587,7 +4808,7 @@
           </p:nvPr>
         </p:nvPicPr>
         <p:blipFill>
-          <a:blip r:embed="rId2">
+          <a:blip r:embed="rId2" cstate="email">
             <a:extLst>
               <a:ext uri="{28A0092B-C50C-407E-A947-70E740481C1C}">
                 <a14:useLocalDpi xmlns:a14="http://schemas.microsoft.com/office/drawing/2010/main" val="0"/>
@@ -4623,7 +4844,7 @@
           <a:p>
             <a:fld id="{9FB7C5CD-96B1-3E43-8C31-C5DCC457890D}" type="datetime3">
               <a:rPr lang="en-US" smtClean="0"/>
-              <a:t>12 Dezember 2015</a:t>
+              <a:t>13 December 2015</a:t>
             </a:fld>
             <a:endParaRPr lang="en-US" dirty="0"/>
           </a:p>
@@ -4694,7 +4915,7 @@
   <p:timing>
     <p:tnLst>
       <p:par>
-        <p:cTn xmlns:p14="http://schemas.microsoft.com/office/powerpoint/2010/main" id="1" dur="indefinite" restart="never" nodeType="tmRoot"/>
+        <p:cTn id="1" dur="indefinite" restart="never" nodeType="tmRoot"/>
       </p:par>
     </p:tnLst>
   </p:timing>

--- a/Präsentation1.pptx
+++ b/Präsentation1.pptx
@@ -5,24 +5,25 @@
     <p:sldMasterId id="2147483950" r:id="rId1"/>
   </p:sldMasterIdLst>
   <p:notesMasterIdLst>
-    <p:notesMasterId r:id="rId14"/>
+    <p:notesMasterId r:id="rId15"/>
   </p:notesMasterIdLst>
   <p:handoutMasterIdLst>
-    <p:handoutMasterId r:id="rId15"/>
+    <p:handoutMasterId r:id="rId16"/>
   </p:handoutMasterIdLst>
   <p:sldIdLst>
     <p:sldId id="256" r:id="rId2"/>
     <p:sldId id="257" r:id="rId3"/>
-    <p:sldId id="258" r:id="rId4"/>
-    <p:sldId id="266" r:id="rId5"/>
-    <p:sldId id="267" r:id="rId6"/>
-    <p:sldId id="268" r:id="rId7"/>
-    <p:sldId id="261" r:id="rId8"/>
-    <p:sldId id="269" r:id="rId9"/>
-    <p:sldId id="260" r:id="rId10"/>
-    <p:sldId id="262" r:id="rId11"/>
-    <p:sldId id="264" r:id="rId12"/>
-    <p:sldId id="263" r:id="rId13"/>
+    <p:sldId id="263" r:id="rId4"/>
+    <p:sldId id="270" r:id="rId5"/>
+    <p:sldId id="261" r:id="rId6"/>
+    <p:sldId id="269" r:id="rId7"/>
+    <p:sldId id="260" r:id="rId8"/>
+    <p:sldId id="262" r:id="rId9"/>
+    <p:sldId id="264" r:id="rId10"/>
+    <p:sldId id="258" r:id="rId11"/>
+    <p:sldId id="266" r:id="rId12"/>
+    <p:sldId id="267" r:id="rId13"/>
+    <p:sldId id="268" r:id="rId14"/>
   </p:sldIdLst>
   <p:sldSz cx="9144000" cy="6858000" type="screen4x3"/>
   <p:notesSz cx="7010400" cy="9296400"/>
@@ -128,16 +129,17 @@
           <p14:sldIdLst>
             <p14:sldId id="256"/>
             <p14:sldId id="257"/>
-            <p14:sldId id="258"/>
-            <p14:sldId id="266"/>
-            <p14:sldId id="267"/>
-            <p14:sldId id="268"/>
+            <p14:sldId id="263"/>
+            <p14:sldId id="270"/>
             <p14:sldId id="261"/>
             <p14:sldId id="269"/>
             <p14:sldId id="260"/>
             <p14:sldId id="262"/>
             <p14:sldId id="264"/>
-            <p14:sldId id="263"/>
+            <p14:sldId id="258"/>
+            <p14:sldId id="266"/>
+            <p14:sldId id="267"/>
+            <p14:sldId id="268"/>
           </p14:sldIdLst>
         </p14:section>
         <p14:section name="code Fabri" id="{F26662B9-F686-4EB2-AFC5-3E13FCE2EA0A}">
@@ -146,7 +148,7 @@
       </p14:sectionLst>
     </p:ext>
     <p:ext uri="{EFAFB233-063F-42B5-8137-9DF3F51BA10A}">
-      <p15:sldGuideLst xmlns:p15="http://schemas.microsoft.com/office/powerpoint/2012/main" xmlns="">
+      <p15:sldGuideLst xmlns="" xmlns:p15="http://schemas.microsoft.com/office/powerpoint/2012/main">
         <p15:guide id="1" orient="horz" pos="2160">
           <p15:clr>
             <a:srgbClr val="A4A3A4"/>
@@ -245,7 +247,7 @@
           <a:p>
             <a:fld id="{3F4C3A6E-CB82-FD46-A432-61A8152958EE}" type="datetime1">
               <a:rPr lang="en-US" smtClean="0"/>
-              <a:t>03/01/16</a:t>
+              <a:t>04/01/16</a:t>
             </a:fld>
             <a:endParaRPr lang="de-DE"/>
           </a:p>
@@ -411,7 +413,7 @@
           <a:p>
             <a:fld id="{B9C744D3-BC24-224F-8D25-B569B113FC24}" type="datetime1">
               <a:rPr lang="en-US" smtClean="0"/>
-              <a:t>03/01/16</a:t>
+              <a:t>04/01/16</a:t>
             </a:fld>
             <a:endParaRPr lang="de-DE"/>
           </a:p>
@@ -958,7 +960,7 @@
           <a:p>
             <a:fld id="{A705285C-C403-094E-9200-37946A85578D}" type="datetime3">
               <a:rPr lang="en-US" smtClean="0"/>
-              <a:t>3 Januar 2016</a:t>
+              <a:t>4 Januar 2016</a:t>
             </a:fld>
             <a:endParaRPr lang="en-US"/>
           </a:p>
@@ -1124,7 +1126,7 @@
           <a:p>
             <a:fld id="{D86F0AB4-281F-AF4E-9E30-92123053E06D}" type="datetime3">
               <a:rPr lang="en-US" smtClean="0"/>
-              <a:t>3 Januar 2016</a:t>
+              <a:t>4 Januar 2016</a:t>
             </a:fld>
             <a:endParaRPr lang="en-US"/>
           </a:p>
@@ -1300,7 +1302,7 @@
           <a:p>
             <a:fld id="{2DE8B529-54E8-ED42-97D3-E193D303ADAE}" type="datetime3">
               <a:rPr lang="en-US" smtClean="0"/>
-              <a:t>3 Januar 2016</a:t>
+              <a:t>4 Januar 2016</a:t>
             </a:fld>
             <a:endParaRPr lang="en-US"/>
           </a:p>
@@ -1466,7 +1468,7 @@
           <a:p>
             <a:fld id="{DE84BC45-065A-9346-9A97-5D336E1AE3C7}" type="datetime3">
               <a:rPr lang="en-US" smtClean="0"/>
-              <a:t>3 Januar 2016</a:t>
+              <a:t>4 Januar 2016</a:t>
             </a:fld>
             <a:endParaRPr lang="en-US"/>
           </a:p>
@@ -1708,7 +1710,7 @@
           <a:p>
             <a:fld id="{5BA81605-74C8-FF4F-83F2-52CEDF4CADEB}" type="datetime3">
               <a:rPr lang="en-US" smtClean="0"/>
-              <a:t>3 Januar 2016</a:t>
+              <a:t>4 Januar 2016</a:t>
             </a:fld>
             <a:endParaRPr lang="en-US"/>
           </a:p>
@@ -1992,7 +1994,7 @@
           <a:p>
             <a:fld id="{BD663E2D-1302-8E40-90CF-FCB01891CD56}" type="datetime3">
               <a:rPr lang="en-US" smtClean="0"/>
-              <a:t>3 Januar 2016</a:t>
+              <a:t>4 Januar 2016</a:t>
             </a:fld>
             <a:endParaRPr lang="en-US"/>
           </a:p>
@@ -2422,7 +2424,7 @@
           <a:p>
             <a:fld id="{C5FB92D7-FD56-2643-B4B9-71D0210BB083}" type="datetime3">
               <a:rPr lang="en-US" smtClean="0"/>
-              <a:t>3 Januar 2016</a:t>
+              <a:t>4 Januar 2016</a:t>
             </a:fld>
             <a:endParaRPr lang="en-US"/>
           </a:p>
@@ -2536,7 +2538,7 @@
           <a:p>
             <a:fld id="{C4DFE371-9F75-1149-857C-C5E34287071C}" type="datetime3">
               <a:rPr lang="en-US" smtClean="0"/>
-              <a:t>3 Januar 2016</a:t>
+              <a:t>4 Januar 2016</a:t>
             </a:fld>
             <a:endParaRPr lang="en-US"/>
           </a:p>
@@ -2627,7 +2629,7 @@
           <a:p>
             <a:fld id="{65FAE0D6-5BE8-CF4E-9883-AD349C7E54AD}" type="datetime3">
               <a:rPr lang="en-US" smtClean="0"/>
-              <a:t>3 Januar 2016</a:t>
+              <a:t>4 Januar 2016</a:t>
             </a:fld>
             <a:endParaRPr lang="en-US"/>
           </a:p>
@@ -2817,7 +2819,7 @@
           <a:p>
             <a:fld id="{91AA9736-4F04-A64C-A0B7-AA5621E8B4B4}" type="datetime3">
               <a:rPr lang="en-US" smtClean="0"/>
-              <a:t>3 Januar 2016</a:t>
+              <a:t>4 Januar 2016</a:t>
             </a:fld>
             <a:endParaRPr lang="en-US"/>
           </a:p>
@@ -3136,7 +3138,7 @@
           <a:p>
             <a:fld id="{D7FA91B2-7C51-E84C-8E1D-157C5D543CA3}" type="datetime3">
               <a:rPr lang="en-US" smtClean="0"/>
-              <a:t>3 Januar 2016</a:t>
+              <a:t>4 Januar 2016</a:t>
             </a:fld>
             <a:endParaRPr lang="en-US" dirty="0"/>
           </a:p>
@@ -3517,7 +3519,7 @@
           <a:p>
             <a:fld id="{1A2B9556-1BBE-464B-9850-DB9F038F4448}" type="datetime3">
               <a:rPr lang="en-US" smtClean="0"/>
-              <a:t>3 Januar 2016</a:t>
+              <a:t>4 Januar 2016</a:t>
             </a:fld>
             <a:endParaRPr lang="en-US" dirty="0"/>
           </a:p>
@@ -4035,69 +4037,6 @@
       </p:grpSpPr>
       <p:sp>
         <p:nvSpPr>
-          <p:cNvPr id="2" name="Titel 1"/>
-          <p:cNvSpPr>
-            <a:spLocks noGrp="1"/>
-          </p:cNvSpPr>
-          <p:nvPr>
-            <p:ph type="title"/>
-          </p:nvPr>
-        </p:nvSpPr>
-        <p:spPr/>
-        <p:txBody>
-          <a:bodyPr/>
-          <a:lstStyle/>
-          <a:p>
-            <a:r>
-              <a:rPr lang="de-DE" dirty="0">
-                <a:solidFill>
-                  <a:srgbClr val="000000"/>
-                </a:solidFill>
-              </a:rPr>
-              <a:t>Special </a:t>
-            </a:r>
-            <a:r>
-              <a:rPr lang="de-DE" dirty="0" err="1">
-                <a:solidFill>
-                  <a:srgbClr val="000000"/>
-                </a:solidFill>
-              </a:rPr>
-              <a:t>Translated</a:t>
-            </a:r>
-            <a:r>
-              <a:rPr lang="de-DE" dirty="0">
-                <a:solidFill>
-                  <a:srgbClr val="000000"/>
-                </a:solidFill>
-              </a:rPr>
-              <a:t> </a:t>
-            </a:r>
-            <a:r>
-              <a:rPr lang="de-DE" dirty="0" smtClean="0">
-                <a:solidFill>
-                  <a:srgbClr val="000000"/>
-                </a:solidFill>
-              </a:rPr>
-              <a:t>Features </a:t>
-            </a:r>
-            <a:r>
-              <a:rPr lang="de-DE" sz="1800" dirty="0" smtClean="0">
-                <a:solidFill>
-                  <a:srgbClr val="000000"/>
-                </a:solidFill>
-              </a:rPr>
-              <a:t>2/2</a:t>
-            </a:r>
-            <a:endParaRPr lang="de-DE" sz="1800" dirty="0">
-              <a:solidFill>
-                <a:srgbClr val="000000"/>
-              </a:solidFill>
-            </a:endParaRPr>
-          </a:p>
-        </p:txBody>
-      </p:sp>
-      <p:sp>
-        <p:nvSpPr>
           <p:cNvPr id="4" name="Textfeld 3"/>
           <p:cNvSpPr txBox="1"/>
           <p:nvPr/>
@@ -4144,33 +4083,95 @@
       </p:sp>
       <p:pic>
         <p:nvPicPr>
-          <p:cNvPr id="5" name="Inhaltsplatzhalter 4" descr="Screen Shot 2016-01-03 at 10.48.51.png"/>
+          <p:cNvPr id="3" name="Grafik 2"/>
           <p:cNvPicPr>
-            <a:picLocks noGrp="1" noChangeAspect="1"/>
+            <a:picLocks noChangeAspect="1"/>
           </p:cNvPicPr>
-          <p:nvPr>
-            <p:ph idx="1"/>
-          </p:nvPr>
+          <p:nvPr/>
         </p:nvPicPr>
         <p:blipFill>
-          <a:blip r:embed="rId2">
+          <a:blip r:embed="rId2" cstate="email">
             <a:extLst>
               <a:ext uri="{28A0092B-C50C-407E-A947-70E740481C1C}">
                 <a14:useLocalDpi xmlns:a14="http://schemas.microsoft.com/office/drawing/2010/main" val="0"/>
               </a:ext>
             </a:extLst>
           </a:blip>
-          <a:srcRect t="-10223" b="-10223"/>
           <a:stretch>
             <a:fillRect/>
           </a:stretch>
         </p:blipFill>
-        <p:spPr/>
+        <p:spPr>
+          <a:xfrm>
+            <a:off x="457200" y="1138888"/>
+            <a:ext cx="7412828" cy="4968949"/>
+          </a:xfrm>
+          <a:prstGeom prst="rect">
+            <a:avLst/>
+          </a:prstGeom>
+        </p:spPr>
       </p:pic>
+      <p:sp>
+        <p:nvSpPr>
+          <p:cNvPr id="5" name="Textfeld 4">
+            <a:hlinkClick r:id="" action="ppaction://hlinkshowjump?jump=nextslide"/>
+            <a:hlinkHover r:id="rId3" action="ppaction://hlinksldjump"/>
+          </p:cNvPr>
+          <p:cNvSpPr txBox="1"/>
+          <p:nvPr/>
+        </p:nvSpPr>
+        <p:spPr>
+          <a:xfrm>
+            <a:off x="457200" y="2263140"/>
+            <a:ext cx="1310640" cy="502920"/>
+          </a:xfrm>
+          <a:prstGeom prst="rect">
+            <a:avLst/>
+          </a:prstGeom>
+          <a:noFill/>
+        </p:spPr>
+        <p:txBody>
+          <a:bodyPr wrap="square" rtlCol="0">
+            <a:spAutoFit/>
+          </a:bodyPr>
+          <a:lstStyle/>
+          <a:p>
+            <a:endParaRPr lang="de-CH" dirty="0"/>
+          </a:p>
+        </p:txBody>
+      </p:sp>
+      <p:sp>
+        <p:nvSpPr>
+          <p:cNvPr id="7" name="Textfeld 6">
+            <a:hlinkHover r:id="rId4" action="ppaction://hlinksldjump"/>
+          </p:cNvPr>
+          <p:cNvSpPr txBox="1"/>
+          <p:nvPr/>
+        </p:nvSpPr>
+        <p:spPr>
+          <a:xfrm>
+            <a:off x="682906" y="4687748"/>
+            <a:ext cx="1516284" cy="960698"/>
+          </a:xfrm>
+          <a:prstGeom prst="rect">
+            <a:avLst/>
+          </a:prstGeom>
+          <a:noFill/>
+        </p:spPr>
+        <p:txBody>
+          <a:bodyPr wrap="square" rtlCol="0">
+            <a:spAutoFit/>
+          </a:bodyPr>
+          <a:lstStyle/>
+          <a:p>
+            <a:endParaRPr lang="de-CH" dirty="0"/>
+          </a:p>
+        </p:txBody>
+      </p:sp>
     </p:spTree>
     <p:extLst>
       <p:ext uri="{BB962C8B-B14F-4D97-AF65-F5344CB8AC3E}">
-        <p14:creationId xmlns:p14="http://schemas.microsoft.com/office/powerpoint/2010/main" val="2776314525"/>
+        <p14:creationId xmlns:p14="http://schemas.microsoft.com/office/powerpoint/2010/main" val="1017218962"/>
       </p:ext>
     </p:extLst>
   </p:cSld>
@@ -4225,33 +4226,17 @@
                   <a:srgbClr val="000000"/>
                 </a:solidFill>
               </a:rPr>
-              <a:t>Protein </a:t>
-            </a:r>
-            <a:r>
-              <a:rPr lang="de-DE" dirty="0" err="1" smtClean="0">
+              <a:t>Features </a:t>
+            </a:r>
+            <a:r>
+              <a:rPr lang="de-DE" sz="1800" dirty="0" smtClean="0">
                 <a:solidFill>
                   <a:srgbClr val="000000"/>
                 </a:solidFill>
               </a:rPr>
-              <a:t>Coding</a:t>
-            </a:r>
-            <a:r>
-              <a:rPr lang="de-DE" dirty="0" smtClean="0">
-                <a:solidFill>
-                  <a:srgbClr val="000000"/>
-                </a:solidFill>
-              </a:rPr>
-              <a:t> </a:t>
-            </a:r>
-            <a:r>
-              <a:rPr lang="de-DE" dirty="0" smtClean="0">
-                <a:solidFill>
-                  <a:srgbClr val="000000"/>
-                </a:solidFill>
-              </a:rPr>
-              <a:t>Genes</a:t>
-            </a:r>
-            <a:endParaRPr lang="de-DE" dirty="0">
+              <a:t>1/3</a:t>
+            </a:r>
+            <a:endParaRPr lang="de-DE" sz="1800" dirty="0">
               <a:solidFill>
                 <a:srgbClr val="000000"/>
               </a:solidFill>
@@ -4261,7 +4246,7 @@
       </p:sp>
       <p:pic>
         <p:nvPicPr>
-          <p:cNvPr id="5" name="Inhaltsplatzhalter 4" descr="Screen Shot 2016-01-03 at 10.53.26.png"/>
+          <p:cNvPr id="5" name="Inhaltsplatzhalter 4" descr="Screen Shot 2016-01-03 at 10.37.22.png"/>
           <p:cNvPicPr>
             <a:picLocks noGrp="1" noChangeAspect="1"/>
           </p:cNvPicPr>
@@ -4269,7 +4254,7 @@
             <p:ph idx="1"/>
           </p:nvPr>
         </p:nvPicPr>
-        <p:blipFill rotWithShape="1">
+        <p:blipFill>
           <a:blip r:embed="rId2">
             <a:extLst>
               <a:ext uri="{28A0092B-C50C-407E-A947-70E740481C1C}">
@@ -4277,15 +4262,12 @@
               </a:ext>
             </a:extLst>
           </a:blip>
-          <a:srcRect r="-20805" b="18436"/>
-          <a:stretch/>
+          <a:srcRect t="-481" b="-481"/>
+          <a:stretch>
+            <a:fillRect/>
+          </a:stretch>
         </p:blipFill>
-        <p:spPr>
-          <a:xfrm>
-            <a:off x="457200" y="1600200"/>
-            <a:ext cx="7620000" cy="1236133"/>
-          </a:xfrm>
-        </p:spPr>
+        <p:spPr/>
       </p:pic>
       <p:sp>
         <p:nvSpPr>
@@ -4336,7 +4318,7 @@
     </p:spTree>
     <p:extLst>
       <p:ext uri="{BB962C8B-B14F-4D97-AF65-F5344CB8AC3E}">
-        <p14:creationId xmlns:p14="http://schemas.microsoft.com/office/powerpoint/2010/main" val="1138648541"/>
+        <p14:creationId xmlns:p14="http://schemas.microsoft.com/office/powerpoint/2010/main" val="3019483398"/>
       </p:ext>
     </p:extLst>
   </p:cSld>
@@ -4385,6 +4367,30 @@
           <a:bodyPr/>
           <a:lstStyle/>
           <a:p>
+            <a:r>
+              <a:rPr lang="de-DE" dirty="0">
+                <a:solidFill>
+                  <a:srgbClr val="000000"/>
+                </a:solidFill>
+              </a:rPr>
+              <a:t>Features </a:t>
+            </a:r>
+            <a:r>
+              <a:rPr lang="de-DE" sz="1800" dirty="0" smtClean="0">
+                <a:solidFill>
+                  <a:srgbClr val="000000"/>
+                </a:solidFill>
+              </a:rPr>
+              <a:t>2/</a:t>
+            </a:r>
+            <a:r>
+              <a:rPr lang="de-DE" sz="1800" dirty="0">
+                <a:solidFill>
+                  <a:srgbClr val="000000"/>
+                </a:solidFill>
+              </a:rPr>
+              <a:t>3</a:t>
+            </a:r>
             <a:endParaRPr lang="de-DE" dirty="0">
               <a:solidFill>
                 <a:srgbClr val="000000"/>
@@ -4393,25 +4399,34 @@
           </a:p>
         </p:txBody>
       </p:sp>
-      <p:sp>
-        <p:nvSpPr>
-          <p:cNvPr id="3" name="Inhaltsplatzhalter 2"/>
-          <p:cNvSpPr>
-            <a:spLocks noGrp="1"/>
-          </p:cNvSpPr>
+      <p:pic>
+        <p:nvPicPr>
+          <p:cNvPr id="5" name="Inhaltsplatzhalter 4" descr="Screen Shot 2016-01-03 at 10.42.59.png"/>
+          <p:cNvPicPr>
+            <a:picLocks noGrp="1" noChangeAspect="1"/>
+          </p:cNvPicPr>
           <p:nvPr>
             <p:ph idx="1"/>
           </p:nvPr>
-        </p:nvSpPr>
-        <p:spPr/>
-        <p:txBody>
-          <a:bodyPr/>
-          <a:lstStyle/>
-          <a:p>
-            <a:endParaRPr lang="de-DE" dirty="0"/>
-          </a:p>
-        </p:txBody>
-      </p:sp>
+        </p:nvPicPr>
+        <p:blipFill rotWithShape="1">
+          <a:blip r:embed="rId2">
+            <a:extLst>
+              <a:ext uri="{28A0092B-C50C-407E-A947-70E740481C1C}">
+                <a14:useLocalDpi xmlns:a14="http://schemas.microsoft.com/office/drawing/2010/main" val="0"/>
+              </a:ext>
+            </a:extLst>
+          </a:blip>
+          <a:srcRect t="-1" b="348"/>
+          <a:stretch/>
+        </p:blipFill>
+        <p:spPr>
+          <a:xfrm>
+            <a:off x="457200" y="1600200"/>
+            <a:ext cx="7620000" cy="2675467"/>
+          </a:xfrm>
+        </p:spPr>
+      </p:pic>
       <p:sp>
         <p:nvSpPr>
           <p:cNvPr id="4" name="Textfeld 3"/>
@@ -4458,10 +4473,227 @@
           </a:p>
         </p:txBody>
       </p:sp>
+      <p:sp>
+        <p:nvSpPr>
+          <p:cNvPr id="6" name="Textfeld 5"/>
+          <p:cNvSpPr txBox="1"/>
+          <p:nvPr/>
+        </p:nvSpPr>
+        <p:spPr>
+          <a:xfrm>
+            <a:off x="711200" y="4783667"/>
+            <a:ext cx="880533" cy="584776"/>
+          </a:xfrm>
+          <a:prstGeom prst="rect">
+            <a:avLst/>
+          </a:prstGeom>
+          <a:noFill/>
+        </p:spPr>
+        <p:txBody>
+          <a:bodyPr wrap="square" rtlCol="0">
+            <a:spAutoFit/>
+          </a:bodyPr>
+          <a:lstStyle/>
+          <a:p>
+            <a:r>
+              <a:rPr lang="de-DE" sz="3200" dirty="0" smtClean="0"/>
+              <a:t>...</a:t>
+            </a:r>
+          </a:p>
+        </p:txBody>
+      </p:sp>
     </p:spTree>
     <p:extLst>
       <p:ext uri="{BB962C8B-B14F-4D97-AF65-F5344CB8AC3E}">
-        <p14:creationId xmlns:p14="http://schemas.microsoft.com/office/powerpoint/2010/main" val="1059521747"/>
+        <p14:creationId xmlns:p14="http://schemas.microsoft.com/office/powerpoint/2010/main" val="2155544902"/>
+      </p:ext>
+    </p:extLst>
+  </p:cSld>
+  <p:clrMapOvr>
+    <a:masterClrMapping/>
+  </p:clrMapOvr>
+  <p:timing>
+    <p:tnLst>
+      <p:par>
+        <p:cTn xmlns:p14="http://schemas.microsoft.com/office/powerpoint/2010/main" id="1" dur="indefinite" restart="never" nodeType="tmRoot"/>
+      </p:par>
+    </p:tnLst>
+  </p:timing>
+</p:sld>
+</file>
+
+<file path=ppt/slides/slide13.xml><?xml version="1.0" encoding="utf-8"?>
+<p:sld xmlns:a="http://schemas.openxmlformats.org/drawingml/2006/main" xmlns:r="http://schemas.openxmlformats.org/officeDocument/2006/relationships" xmlns:p="http://schemas.openxmlformats.org/presentationml/2006/main">
+  <p:cSld>
+    <p:spTree>
+      <p:nvGrpSpPr>
+        <p:cNvPr id="1" name=""/>
+        <p:cNvGrpSpPr/>
+        <p:nvPr/>
+      </p:nvGrpSpPr>
+      <p:grpSpPr>
+        <a:xfrm>
+          <a:off x="0" y="0"/>
+          <a:ext cx="0" cy="0"/>
+          <a:chOff x="0" y="0"/>
+          <a:chExt cx="0" cy="0"/>
+        </a:xfrm>
+      </p:grpSpPr>
+      <p:sp>
+        <p:nvSpPr>
+          <p:cNvPr id="2" name="Titel 1"/>
+          <p:cNvSpPr>
+            <a:spLocks noGrp="1"/>
+          </p:cNvSpPr>
+          <p:nvPr>
+            <p:ph type="title"/>
+          </p:nvPr>
+        </p:nvSpPr>
+        <p:spPr/>
+        <p:txBody>
+          <a:bodyPr/>
+          <a:lstStyle/>
+          <a:p>
+            <a:r>
+              <a:rPr lang="de-DE" dirty="0">
+                <a:solidFill>
+                  <a:srgbClr val="000000"/>
+                </a:solidFill>
+              </a:rPr>
+              <a:t>Features </a:t>
+            </a:r>
+            <a:r>
+              <a:rPr lang="de-DE" sz="1800" dirty="0" smtClean="0">
+                <a:solidFill>
+                  <a:srgbClr val="000000"/>
+                </a:solidFill>
+              </a:rPr>
+              <a:t>3/</a:t>
+            </a:r>
+            <a:r>
+              <a:rPr lang="de-DE" sz="1800" dirty="0">
+                <a:solidFill>
+                  <a:srgbClr val="000000"/>
+                </a:solidFill>
+              </a:rPr>
+              <a:t>3</a:t>
+            </a:r>
+            <a:endParaRPr lang="de-DE" dirty="0">
+              <a:solidFill>
+                <a:srgbClr val="000000"/>
+              </a:solidFill>
+            </a:endParaRPr>
+          </a:p>
+        </p:txBody>
+      </p:sp>
+      <p:pic>
+        <p:nvPicPr>
+          <p:cNvPr id="5" name="Inhaltsplatzhalter 4" descr="Screen Shot 2016-01-03 at 10.43.18.png"/>
+          <p:cNvPicPr>
+            <a:picLocks noGrp="1" noChangeAspect="1"/>
+          </p:cNvPicPr>
+          <p:nvPr>
+            <p:ph idx="1"/>
+          </p:nvPr>
+        </p:nvPicPr>
+        <p:blipFill rotWithShape="1">
+          <a:blip r:embed="rId2">
+            <a:extLst>
+              <a:ext uri="{28A0092B-C50C-407E-A947-70E740481C1C}">
+                <a14:useLocalDpi xmlns:a14="http://schemas.microsoft.com/office/drawing/2010/main" val="0"/>
+              </a:ext>
+            </a:extLst>
+          </a:blip>
+          <a:srcRect r="-24844"/>
+          <a:stretch/>
+        </p:blipFill>
+        <p:spPr>
+          <a:xfrm>
+            <a:off x="457200" y="2463800"/>
+            <a:ext cx="7620000" cy="3955681"/>
+          </a:xfrm>
+        </p:spPr>
+      </p:pic>
+      <p:sp>
+        <p:nvSpPr>
+          <p:cNvPr id="4" name="Textfeld 3"/>
+          <p:cNvSpPr txBox="1"/>
+          <p:nvPr/>
+        </p:nvSpPr>
+        <p:spPr>
+          <a:xfrm>
+            <a:off x="262293" y="6394081"/>
+            <a:ext cx="8006823" cy="307777"/>
+          </a:xfrm>
+          <a:prstGeom prst="rect">
+            <a:avLst/>
+          </a:prstGeom>
+          <a:noFill/>
+        </p:spPr>
+        <p:txBody>
+          <a:bodyPr wrap="square" rtlCol="0">
+            <a:spAutoFit/>
+          </a:bodyPr>
+          <a:lstStyle/>
+          <a:p>
+            <a:r>
+              <a:rPr lang="de-DE" sz="1400" dirty="0" smtClean="0"/>
+              <a:t>Jacob Rasmussen, Fabrizio </a:t>
+            </a:r>
+            <a:r>
+              <a:rPr lang="de-DE" sz="1400" dirty="0" err="1" smtClean="0"/>
+              <a:t>Parrillo</a:t>
+            </a:r>
+            <a:r>
+              <a:rPr lang="de-DE" sz="1400" dirty="0" smtClean="0"/>
+              <a:t>, Steffen Griesch				       04</a:t>
+            </a:r>
+            <a:r>
+              <a:rPr lang="de-DE" sz="1400" dirty="0"/>
+              <a:t>. Januar </a:t>
+            </a:r>
+            <a:r>
+              <a:rPr lang="de-DE" sz="1400" dirty="0" smtClean="0"/>
+              <a:t>2016</a:t>
+            </a:r>
+            <a:endParaRPr lang="de-DE" sz="1400" dirty="0"/>
+          </a:p>
+        </p:txBody>
+      </p:sp>
+      <p:sp>
+        <p:nvSpPr>
+          <p:cNvPr id="6" name="Textfeld 5"/>
+          <p:cNvSpPr txBox="1"/>
+          <p:nvPr/>
+        </p:nvSpPr>
+        <p:spPr>
+          <a:xfrm>
+            <a:off x="982133" y="1566334"/>
+            <a:ext cx="1456267" cy="584776"/>
+          </a:xfrm>
+          <a:prstGeom prst="rect">
+            <a:avLst/>
+          </a:prstGeom>
+          <a:noFill/>
+        </p:spPr>
+        <p:txBody>
+          <a:bodyPr wrap="square" rtlCol="0">
+            <a:spAutoFit/>
+          </a:bodyPr>
+          <a:lstStyle/>
+          <a:p>
+            <a:r>
+              <a:rPr lang="de-DE" sz="3200" dirty="0" smtClean="0"/>
+              <a:t>...</a:t>
+            </a:r>
+            <a:endParaRPr lang="de-DE" sz="3200" dirty="0"/>
+          </a:p>
+        </p:txBody>
+      </p:sp>
+    </p:spTree>
+    <p:extLst>
+      <p:ext uri="{BB962C8B-B14F-4D97-AF65-F5344CB8AC3E}">
+        <p14:creationId xmlns:p14="http://schemas.microsoft.com/office/powerpoint/2010/main" val="1101186789"/>
       </p:ext>
     </p:extLst>
   </p:cSld>
@@ -4710,6 +4942,73 @@
       </p:grpSpPr>
       <p:sp>
         <p:nvSpPr>
+          <p:cNvPr id="2" name="Titel 1"/>
+          <p:cNvSpPr>
+            <a:spLocks noGrp="1"/>
+          </p:cNvSpPr>
+          <p:nvPr>
+            <p:ph type="title"/>
+          </p:nvPr>
+        </p:nvSpPr>
+        <p:spPr/>
+        <p:txBody>
+          <a:bodyPr/>
+          <a:lstStyle/>
+          <a:p>
+            <a:r>
+              <a:rPr lang="de-DE" dirty="0" err="1" smtClean="0">
+                <a:solidFill>
+                  <a:srgbClr val="000000"/>
+                </a:solidFill>
+              </a:rPr>
+              <a:t>Generate</a:t>
+            </a:r>
+            <a:r>
+              <a:rPr lang="de-DE" dirty="0" smtClean="0">
+                <a:solidFill>
+                  <a:srgbClr val="000000"/>
+                </a:solidFill>
+              </a:rPr>
+              <a:t> &amp; Pickle</a:t>
+            </a:r>
+            <a:endParaRPr lang="de-DE" dirty="0">
+              <a:solidFill>
+                <a:srgbClr val="000000"/>
+              </a:solidFill>
+            </a:endParaRPr>
+          </a:p>
+        </p:txBody>
+      </p:sp>
+      <p:pic>
+        <p:nvPicPr>
+          <p:cNvPr id="6" name="Inhaltsplatzhalter 5" descr="Screen Shot 2016-01-04 at 12.03.39.png"/>
+          <p:cNvPicPr>
+            <a:picLocks noGrp="1" noChangeAspect="1"/>
+          </p:cNvPicPr>
+          <p:nvPr>
+            <p:ph idx="1"/>
+          </p:nvPr>
+        </p:nvPicPr>
+        <p:blipFill rotWithShape="1">
+          <a:blip r:embed="rId2">
+            <a:extLst>
+              <a:ext uri="{28A0092B-C50C-407E-A947-70E740481C1C}">
+                <a14:useLocalDpi xmlns:a14="http://schemas.microsoft.com/office/drawing/2010/main" val="0"/>
+              </a:ext>
+            </a:extLst>
+          </a:blip>
+          <a:srcRect b="-2488"/>
+          <a:stretch/>
+        </p:blipFill>
+        <p:spPr>
+          <a:xfrm>
+            <a:off x="457200" y="1600200"/>
+            <a:ext cx="7620000" cy="2781300"/>
+          </a:xfrm>
+        </p:spPr>
+      </p:pic>
+      <p:sp>
+        <p:nvSpPr>
           <p:cNvPr id="4" name="Textfeld 3"/>
           <p:cNvSpPr txBox="1"/>
           <p:nvPr/>
@@ -4754,97 +5053,10 @@
           </a:p>
         </p:txBody>
       </p:sp>
-      <p:pic>
-        <p:nvPicPr>
-          <p:cNvPr id="3" name="Grafik 2"/>
-          <p:cNvPicPr>
-            <a:picLocks noChangeAspect="1"/>
-          </p:cNvPicPr>
-          <p:nvPr/>
-        </p:nvPicPr>
-        <p:blipFill>
-          <a:blip r:embed="rId2" cstate="email">
-            <a:extLst>
-              <a:ext uri="{28A0092B-C50C-407E-A947-70E740481C1C}">
-                <a14:useLocalDpi xmlns:a14="http://schemas.microsoft.com/office/drawing/2010/main" val="0"/>
-              </a:ext>
-            </a:extLst>
-          </a:blip>
-          <a:stretch>
-            <a:fillRect/>
-          </a:stretch>
-        </p:blipFill>
-        <p:spPr>
-          <a:xfrm>
-            <a:off x="457200" y="1138888"/>
-            <a:ext cx="7412828" cy="4968949"/>
-          </a:xfrm>
-          <a:prstGeom prst="rect">
-            <a:avLst/>
-          </a:prstGeom>
-        </p:spPr>
-      </p:pic>
-      <p:sp>
-        <p:nvSpPr>
-          <p:cNvPr id="5" name="Textfeld 4">
-            <a:hlinkClick r:id="" action="ppaction://hlinkshowjump?jump=nextslide"/>
-            <a:hlinkHover r:id="rId3" action="ppaction://hlinksldjump"/>
-          </p:cNvPr>
-          <p:cNvSpPr txBox="1"/>
-          <p:nvPr/>
-        </p:nvSpPr>
-        <p:spPr>
-          <a:xfrm>
-            <a:off x="457200" y="2263140"/>
-            <a:ext cx="1310640" cy="502920"/>
-          </a:xfrm>
-          <a:prstGeom prst="rect">
-            <a:avLst/>
-          </a:prstGeom>
-          <a:noFill/>
-        </p:spPr>
-        <p:txBody>
-          <a:bodyPr wrap="square" rtlCol="0">
-            <a:spAutoFit/>
-          </a:bodyPr>
-          <a:lstStyle/>
-          <a:p>
-            <a:endParaRPr lang="de-CH" dirty="0"/>
-          </a:p>
-        </p:txBody>
-      </p:sp>
-      <p:sp>
-        <p:nvSpPr>
-          <p:cNvPr id="7" name="Textfeld 6">
-            <a:hlinkHover r:id="rId4" action="ppaction://hlinksldjump"/>
-          </p:cNvPr>
-          <p:cNvSpPr txBox="1"/>
-          <p:nvPr/>
-        </p:nvSpPr>
-        <p:spPr>
-          <a:xfrm>
-            <a:off x="682906" y="4687748"/>
-            <a:ext cx="1516284" cy="960698"/>
-          </a:xfrm>
-          <a:prstGeom prst="rect">
-            <a:avLst/>
-          </a:prstGeom>
-          <a:noFill/>
-        </p:spPr>
-        <p:txBody>
-          <a:bodyPr wrap="square" rtlCol="0">
-            <a:spAutoFit/>
-          </a:bodyPr>
-          <a:lstStyle/>
-          <a:p>
-            <a:endParaRPr lang="de-CH" dirty="0"/>
-          </a:p>
-        </p:txBody>
-      </p:sp>
     </p:spTree>
     <p:extLst>
       <p:ext uri="{BB962C8B-B14F-4D97-AF65-F5344CB8AC3E}">
-        <p14:creationId xmlns:p14="http://schemas.microsoft.com/office/powerpoint/2010/main" val="1017218962"/>
+        <p14:creationId xmlns:p14="http://schemas.microsoft.com/office/powerpoint/2010/main" val="1059521747"/>
       </p:ext>
     </p:extLst>
   </p:cSld>
@@ -4899,17 +5111,9 @@
                   <a:srgbClr val="000000"/>
                 </a:solidFill>
               </a:rPr>
-              <a:t>Features </a:t>
-            </a:r>
-            <a:r>
-              <a:rPr lang="de-DE" sz="1800" dirty="0" smtClean="0">
-                <a:solidFill>
-                  <a:srgbClr val="000000"/>
-                </a:solidFill>
-              </a:rPr>
-              <a:t>1/3</a:t>
-            </a:r>
-            <a:endParaRPr lang="de-DE" sz="1800" dirty="0">
+              <a:t>Remove</a:t>
+            </a:r>
+            <a:endParaRPr lang="de-DE" dirty="0">
               <a:solidFill>
                 <a:srgbClr val="000000"/>
               </a:solidFill>
@@ -4917,31 +5121,6 @@
           </a:p>
         </p:txBody>
       </p:sp>
-      <p:pic>
-        <p:nvPicPr>
-          <p:cNvPr id="5" name="Inhaltsplatzhalter 4" descr="Screen Shot 2016-01-03 at 10.37.22.png"/>
-          <p:cNvPicPr>
-            <a:picLocks noGrp="1" noChangeAspect="1"/>
-          </p:cNvPicPr>
-          <p:nvPr>
-            <p:ph idx="1"/>
-          </p:nvPr>
-        </p:nvPicPr>
-        <p:blipFill>
-          <a:blip r:embed="rId2">
-            <a:extLst>
-              <a:ext uri="{28A0092B-C50C-407E-A947-70E740481C1C}">
-                <a14:useLocalDpi xmlns:a14="http://schemas.microsoft.com/office/drawing/2010/main" val="0"/>
-              </a:ext>
-            </a:extLst>
-          </a:blip>
-          <a:srcRect t="-481" b="-481"/>
-          <a:stretch>
-            <a:fillRect/>
-          </a:stretch>
-        </p:blipFill>
-        <p:spPr/>
-      </p:pic>
       <p:sp>
         <p:nvSpPr>
           <p:cNvPr id="4" name="Textfeld 3"/>
@@ -4988,10 +5167,35 @@
           </a:p>
         </p:txBody>
       </p:sp>
+      <p:pic>
+        <p:nvPicPr>
+          <p:cNvPr id="5" name="Inhaltsplatzhalter 4" descr="Screen Shot 2016-01-04 at 12.04.59.png"/>
+          <p:cNvPicPr>
+            <a:picLocks noGrp="1" noChangeAspect="1"/>
+          </p:cNvPicPr>
+          <p:nvPr>
+            <p:ph idx="1"/>
+          </p:nvPr>
+        </p:nvPicPr>
+        <p:blipFill>
+          <a:blip r:embed="rId2">
+            <a:extLst>
+              <a:ext uri="{28A0092B-C50C-407E-A947-70E740481C1C}">
+                <a14:useLocalDpi xmlns:a14="http://schemas.microsoft.com/office/drawing/2010/main" val="0"/>
+              </a:ext>
+            </a:extLst>
+          </a:blip>
+          <a:srcRect l="-8118" r="-8118"/>
+          <a:stretch>
+            <a:fillRect/>
+          </a:stretch>
+        </p:blipFill>
+        <p:spPr/>
+      </p:pic>
     </p:spTree>
     <p:extLst>
       <p:ext uri="{BB962C8B-B14F-4D97-AF65-F5344CB8AC3E}">
-        <p14:creationId xmlns:p14="http://schemas.microsoft.com/office/powerpoint/2010/main" val="3019483398"/>
+        <p14:creationId xmlns:p14="http://schemas.microsoft.com/office/powerpoint/2010/main" val="2699341207"/>
       </p:ext>
     </p:extLst>
   </p:cSld>
@@ -5041,395 +5245,12 @@
           <a:lstStyle/>
           <a:p>
             <a:r>
-              <a:rPr lang="de-DE" dirty="0">
-                <a:solidFill>
-                  <a:srgbClr val="000000"/>
-                </a:solidFill>
-              </a:rPr>
-              <a:t>Features </a:t>
-            </a:r>
-            <a:r>
-              <a:rPr lang="de-DE" sz="1800" dirty="0" smtClean="0">
-                <a:solidFill>
-                  <a:srgbClr val="000000"/>
-                </a:solidFill>
-              </a:rPr>
-              <a:t>2/</a:t>
-            </a:r>
-            <a:r>
-              <a:rPr lang="de-DE" sz="1800" dirty="0">
-                <a:solidFill>
-                  <a:srgbClr val="000000"/>
-                </a:solidFill>
-              </a:rPr>
-              <a:t>3</a:t>
-            </a:r>
-            <a:endParaRPr lang="de-DE" dirty="0">
-              <a:solidFill>
-                <a:srgbClr val="000000"/>
-              </a:solidFill>
-            </a:endParaRPr>
-          </a:p>
-        </p:txBody>
-      </p:sp>
-      <p:pic>
-        <p:nvPicPr>
-          <p:cNvPr id="5" name="Inhaltsplatzhalter 4" descr="Screen Shot 2016-01-03 at 10.42.59.png"/>
-          <p:cNvPicPr>
-            <a:picLocks noGrp="1" noChangeAspect="1"/>
-          </p:cNvPicPr>
-          <p:nvPr>
-            <p:ph idx="1"/>
-          </p:nvPr>
-        </p:nvPicPr>
-        <p:blipFill rotWithShape="1">
-          <a:blip r:embed="rId2">
-            <a:extLst>
-              <a:ext uri="{28A0092B-C50C-407E-A947-70E740481C1C}">
-                <a14:useLocalDpi xmlns:a14="http://schemas.microsoft.com/office/drawing/2010/main" val="0"/>
-              </a:ext>
-            </a:extLst>
-          </a:blip>
-          <a:srcRect t="-1" b="348"/>
-          <a:stretch/>
-        </p:blipFill>
-        <p:spPr>
-          <a:xfrm>
-            <a:off x="457200" y="1600200"/>
-            <a:ext cx="7620000" cy="2675467"/>
-          </a:xfrm>
-        </p:spPr>
-      </p:pic>
-      <p:sp>
-        <p:nvSpPr>
-          <p:cNvPr id="4" name="Textfeld 3"/>
-          <p:cNvSpPr txBox="1"/>
-          <p:nvPr/>
-        </p:nvSpPr>
-        <p:spPr>
-          <a:xfrm>
-            <a:off x="262293" y="6394081"/>
-            <a:ext cx="8006823" cy="307777"/>
-          </a:xfrm>
-          <a:prstGeom prst="rect">
-            <a:avLst/>
-          </a:prstGeom>
-          <a:noFill/>
-        </p:spPr>
-        <p:txBody>
-          <a:bodyPr wrap="square" rtlCol="0">
-            <a:spAutoFit/>
-          </a:bodyPr>
-          <a:lstStyle/>
-          <a:p>
-            <a:r>
-              <a:rPr lang="de-DE" sz="1400" dirty="0" smtClean="0"/>
-              <a:t>Jacob Rasmussen, Fabrizio </a:t>
-            </a:r>
-            <a:r>
-              <a:rPr lang="de-DE" sz="1400" dirty="0" err="1" smtClean="0"/>
-              <a:t>Parrillo</a:t>
-            </a:r>
-            <a:r>
-              <a:rPr lang="de-DE" sz="1400" dirty="0" smtClean="0"/>
-              <a:t>, Steffen Griesch				       04</a:t>
-            </a:r>
-            <a:r>
-              <a:rPr lang="de-DE" sz="1400" dirty="0"/>
-              <a:t>. Januar </a:t>
-            </a:r>
-            <a:r>
-              <a:rPr lang="de-DE" sz="1400" dirty="0" smtClean="0"/>
-              <a:t>2016</a:t>
-            </a:r>
-            <a:endParaRPr lang="de-DE" sz="1400" dirty="0"/>
-          </a:p>
-        </p:txBody>
-      </p:sp>
-      <p:sp>
-        <p:nvSpPr>
-          <p:cNvPr id="6" name="Textfeld 5"/>
-          <p:cNvSpPr txBox="1"/>
-          <p:nvPr/>
-        </p:nvSpPr>
-        <p:spPr>
-          <a:xfrm>
-            <a:off x="711200" y="4783667"/>
-            <a:ext cx="880533" cy="584776"/>
-          </a:xfrm>
-          <a:prstGeom prst="rect">
-            <a:avLst/>
-          </a:prstGeom>
-          <a:noFill/>
-        </p:spPr>
-        <p:txBody>
-          <a:bodyPr wrap="square" rtlCol="0">
-            <a:spAutoFit/>
-          </a:bodyPr>
-          <a:lstStyle/>
-          <a:p>
-            <a:r>
-              <a:rPr lang="de-DE" sz="3200" dirty="0" smtClean="0"/>
-              <a:t>...</a:t>
-            </a:r>
-          </a:p>
-        </p:txBody>
-      </p:sp>
-    </p:spTree>
-    <p:extLst>
-      <p:ext uri="{BB962C8B-B14F-4D97-AF65-F5344CB8AC3E}">
-        <p14:creationId xmlns:p14="http://schemas.microsoft.com/office/powerpoint/2010/main" val="2155544902"/>
-      </p:ext>
-    </p:extLst>
-  </p:cSld>
-  <p:clrMapOvr>
-    <a:masterClrMapping/>
-  </p:clrMapOvr>
-  <p:timing>
-    <p:tnLst>
-      <p:par>
-        <p:cTn xmlns:p14="http://schemas.microsoft.com/office/powerpoint/2010/main" id="1" dur="indefinite" restart="never" nodeType="tmRoot"/>
-      </p:par>
-    </p:tnLst>
-  </p:timing>
-</p:sld>
-</file>
-
-<file path=ppt/slides/slide6.xml><?xml version="1.0" encoding="utf-8"?>
-<p:sld xmlns:a="http://schemas.openxmlformats.org/drawingml/2006/main" xmlns:r="http://schemas.openxmlformats.org/officeDocument/2006/relationships" xmlns:p="http://schemas.openxmlformats.org/presentationml/2006/main">
-  <p:cSld>
-    <p:spTree>
-      <p:nvGrpSpPr>
-        <p:cNvPr id="1" name=""/>
-        <p:cNvGrpSpPr/>
-        <p:nvPr/>
-      </p:nvGrpSpPr>
-      <p:grpSpPr>
-        <a:xfrm>
-          <a:off x="0" y="0"/>
-          <a:ext cx="0" cy="0"/>
-          <a:chOff x="0" y="0"/>
-          <a:chExt cx="0" cy="0"/>
-        </a:xfrm>
-      </p:grpSpPr>
-      <p:sp>
-        <p:nvSpPr>
-          <p:cNvPr id="2" name="Titel 1"/>
-          <p:cNvSpPr>
-            <a:spLocks noGrp="1"/>
-          </p:cNvSpPr>
-          <p:nvPr>
-            <p:ph type="title"/>
-          </p:nvPr>
-        </p:nvSpPr>
-        <p:spPr/>
-        <p:txBody>
-          <a:bodyPr/>
-          <a:lstStyle/>
-          <a:p>
-            <a:r>
-              <a:rPr lang="de-DE" dirty="0">
-                <a:solidFill>
-                  <a:srgbClr val="000000"/>
-                </a:solidFill>
-              </a:rPr>
-              <a:t>Features </a:t>
-            </a:r>
-            <a:r>
-              <a:rPr lang="de-DE" sz="1800" dirty="0" smtClean="0">
-                <a:solidFill>
-                  <a:srgbClr val="000000"/>
-                </a:solidFill>
-              </a:rPr>
-              <a:t>3/</a:t>
-            </a:r>
-            <a:r>
-              <a:rPr lang="de-DE" sz="1800" dirty="0">
-                <a:solidFill>
-                  <a:srgbClr val="000000"/>
-                </a:solidFill>
-              </a:rPr>
-              <a:t>3</a:t>
-            </a:r>
-            <a:endParaRPr lang="de-DE" dirty="0">
-              <a:solidFill>
-                <a:srgbClr val="000000"/>
-              </a:solidFill>
-            </a:endParaRPr>
-          </a:p>
-        </p:txBody>
-      </p:sp>
-      <p:pic>
-        <p:nvPicPr>
-          <p:cNvPr id="5" name="Inhaltsplatzhalter 4" descr="Screen Shot 2016-01-03 at 10.43.18.png"/>
-          <p:cNvPicPr>
-            <a:picLocks noGrp="1" noChangeAspect="1"/>
-          </p:cNvPicPr>
-          <p:nvPr>
-            <p:ph idx="1"/>
-          </p:nvPr>
-        </p:nvPicPr>
-        <p:blipFill rotWithShape="1">
-          <a:blip r:embed="rId2">
-            <a:extLst>
-              <a:ext uri="{28A0092B-C50C-407E-A947-70E740481C1C}">
-                <a14:useLocalDpi xmlns:a14="http://schemas.microsoft.com/office/drawing/2010/main" val="0"/>
-              </a:ext>
-            </a:extLst>
-          </a:blip>
-          <a:srcRect r="-24844"/>
-          <a:stretch/>
-        </p:blipFill>
-        <p:spPr>
-          <a:xfrm>
-            <a:off x="457200" y="2463800"/>
-            <a:ext cx="7620000" cy="3955681"/>
-          </a:xfrm>
-        </p:spPr>
-      </p:pic>
-      <p:sp>
-        <p:nvSpPr>
-          <p:cNvPr id="4" name="Textfeld 3"/>
-          <p:cNvSpPr txBox="1"/>
-          <p:nvPr/>
-        </p:nvSpPr>
-        <p:spPr>
-          <a:xfrm>
-            <a:off x="262293" y="6394081"/>
-            <a:ext cx="8006823" cy="307777"/>
-          </a:xfrm>
-          <a:prstGeom prst="rect">
-            <a:avLst/>
-          </a:prstGeom>
-          <a:noFill/>
-        </p:spPr>
-        <p:txBody>
-          <a:bodyPr wrap="square" rtlCol="0">
-            <a:spAutoFit/>
-          </a:bodyPr>
-          <a:lstStyle/>
-          <a:p>
-            <a:r>
-              <a:rPr lang="de-DE" sz="1400" dirty="0" smtClean="0"/>
-              <a:t>Jacob Rasmussen, Fabrizio </a:t>
-            </a:r>
-            <a:r>
-              <a:rPr lang="de-DE" sz="1400" dirty="0" err="1" smtClean="0"/>
-              <a:t>Parrillo</a:t>
-            </a:r>
-            <a:r>
-              <a:rPr lang="de-DE" sz="1400" dirty="0" smtClean="0"/>
-              <a:t>, Steffen Griesch				       04</a:t>
-            </a:r>
-            <a:r>
-              <a:rPr lang="de-DE" sz="1400" dirty="0"/>
-              <a:t>. Januar </a:t>
-            </a:r>
-            <a:r>
-              <a:rPr lang="de-DE" sz="1400" dirty="0" smtClean="0"/>
-              <a:t>2016</a:t>
-            </a:r>
-            <a:endParaRPr lang="de-DE" sz="1400" dirty="0"/>
-          </a:p>
-        </p:txBody>
-      </p:sp>
-      <p:sp>
-        <p:nvSpPr>
-          <p:cNvPr id="6" name="Textfeld 5"/>
-          <p:cNvSpPr txBox="1"/>
-          <p:nvPr/>
-        </p:nvSpPr>
-        <p:spPr>
-          <a:xfrm>
-            <a:off x="982133" y="1566334"/>
-            <a:ext cx="1456267" cy="584776"/>
-          </a:xfrm>
-          <a:prstGeom prst="rect">
-            <a:avLst/>
-          </a:prstGeom>
-          <a:noFill/>
-        </p:spPr>
-        <p:txBody>
-          <a:bodyPr wrap="square" rtlCol="0">
-            <a:spAutoFit/>
-          </a:bodyPr>
-          <a:lstStyle/>
-          <a:p>
-            <a:r>
-              <a:rPr lang="de-DE" sz="3200" dirty="0" smtClean="0"/>
-              <a:t>...</a:t>
-            </a:r>
-            <a:endParaRPr lang="de-DE" sz="3200" dirty="0"/>
-          </a:p>
-        </p:txBody>
-      </p:sp>
-    </p:spTree>
-    <p:extLst>
-      <p:ext uri="{BB962C8B-B14F-4D97-AF65-F5344CB8AC3E}">
-        <p14:creationId xmlns:p14="http://schemas.microsoft.com/office/powerpoint/2010/main" val="1101186789"/>
-      </p:ext>
-    </p:extLst>
-  </p:cSld>
-  <p:clrMapOvr>
-    <a:masterClrMapping/>
-  </p:clrMapOvr>
-  <p:timing>
-    <p:tnLst>
-      <p:par>
-        <p:cTn xmlns:p14="http://schemas.microsoft.com/office/powerpoint/2010/main" id="1" dur="indefinite" restart="never" nodeType="tmRoot"/>
-      </p:par>
-    </p:tnLst>
-  </p:timing>
-</p:sld>
-</file>
-
-<file path=ppt/slides/slide7.xml><?xml version="1.0" encoding="utf-8"?>
-<p:sld xmlns:a="http://schemas.openxmlformats.org/drawingml/2006/main" xmlns:r="http://schemas.openxmlformats.org/officeDocument/2006/relationships" xmlns:p="http://schemas.openxmlformats.org/presentationml/2006/main">
-  <p:cSld>
-    <p:spTree>
-      <p:nvGrpSpPr>
-        <p:cNvPr id="1" name=""/>
-        <p:cNvGrpSpPr/>
-        <p:nvPr/>
-      </p:nvGrpSpPr>
-      <p:grpSpPr>
-        <a:xfrm>
-          <a:off x="0" y="0"/>
-          <a:ext cx="0" cy="0"/>
-          <a:chOff x="0" y="0"/>
-          <a:chExt cx="0" cy="0"/>
-        </a:xfrm>
-      </p:grpSpPr>
-      <p:sp>
-        <p:nvSpPr>
-          <p:cNvPr id="2" name="Titel 1"/>
-          <p:cNvSpPr>
-            <a:spLocks noGrp="1"/>
-          </p:cNvSpPr>
-          <p:nvPr>
-            <p:ph type="title"/>
-          </p:nvPr>
-        </p:nvSpPr>
-        <p:spPr/>
-        <p:txBody>
-          <a:bodyPr/>
-          <a:lstStyle/>
-          <a:p>
-            <a:r>
               <a:rPr lang="de-DE" dirty="0" smtClean="0">
                 <a:solidFill>
                   <a:srgbClr val="000000"/>
                 </a:solidFill>
               </a:rPr>
-              <a:t>Primer Binding </a:t>
-            </a:r>
-            <a:r>
-              <a:rPr lang="de-DE" dirty="0" smtClean="0">
-                <a:solidFill>
-                  <a:srgbClr val="000000"/>
-                </a:solidFill>
-              </a:rPr>
-              <a:t>Sites </a:t>
+              <a:t>Primer Binding Sites </a:t>
             </a:r>
             <a:r>
               <a:rPr lang="de-DE" sz="1800" dirty="0" smtClean="0">
@@ -5538,7 +5359,7 @@
 </p:sld>
 </file>
 
-<file path=ppt/slides/slide8.xml><?xml version="1.0" encoding="utf-8"?>
+<file path=ppt/slides/slide6.xml><?xml version="1.0" encoding="utf-8"?>
 <p:sld xmlns:a="http://schemas.openxmlformats.org/drawingml/2006/main" xmlns:r="http://schemas.openxmlformats.org/officeDocument/2006/relationships" xmlns:p="http://schemas.openxmlformats.org/presentationml/2006/main">
   <p:cSld>
     <p:spTree>
@@ -5576,15 +5397,7 @@
                   <a:srgbClr val="000000"/>
                 </a:solidFill>
               </a:rPr>
-              <a:t>Primer Binding </a:t>
-            </a:r>
-            <a:r>
-              <a:rPr lang="de-DE" dirty="0" smtClean="0">
-                <a:solidFill>
-                  <a:srgbClr val="000000"/>
-                </a:solidFill>
-              </a:rPr>
-              <a:t>Sites </a:t>
+              <a:t>Primer Binding Sites </a:t>
             </a:r>
             <a:r>
               <a:rPr lang="de-DE" sz="1800" dirty="0" smtClean="0">
@@ -5696,7 +5509,7 @@
 </p:sld>
 </file>
 
-<file path=ppt/slides/slide9.xml><?xml version="1.0" encoding="utf-8"?>
+<file path=ppt/slides/slide7.xml><?xml version="1.0" encoding="utf-8"?>
 <p:sld xmlns:a="http://schemas.openxmlformats.org/drawingml/2006/main" xmlns:r="http://schemas.openxmlformats.org/officeDocument/2006/relationships" xmlns:p="http://schemas.openxmlformats.org/presentationml/2006/main">
   <p:cSld>
     <p:spTree>
@@ -5750,15 +5563,7 @@
                   <a:srgbClr val="000000"/>
                 </a:solidFill>
               </a:rPr>
-              <a:t> </a:t>
-            </a:r>
-            <a:r>
-              <a:rPr lang="de-DE" dirty="0" smtClean="0">
-                <a:solidFill>
-                  <a:srgbClr val="000000"/>
-                </a:solidFill>
-              </a:rPr>
-              <a:t>Features </a:t>
+              <a:t> Features </a:t>
             </a:r>
             <a:r>
               <a:rPr lang="de-DE" sz="1800" dirty="0" smtClean="0">
@@ -5851,6 +5656,335 @@
     <p:extLst>
       <p:ext uri="{BB962C8B-B14F-4D97-AF65-F5344CB8AC3E}">
         <p14:creationId xmlns:p14="http://schemas.microsoft.com/office/powerpoint/2010/main" val="1221909556"/>
+      </p:ext>
+    </p:extLst>
+  </p:cSld>
+  <p:clrMapOvr>
+    <a:masterClrMapping/>
+  </p:clrMapOvr>
+  <p:timing>
+    <p:tnLst>
+      <p:par>
+        <p:cTn xmlns:p14="http://schemas.microsoft.com/office/powerpoint/2010/main" id="1" dur="indefinite" restart="never" nodeType="tmRoot"/>
+      </p:par>
+    </p:tnLst>
+  </p:timing>
+</p:sld>
+</file>
+
+<file path=ppt/slides/slide8.xml><?xml version="1.0" encoding="utf-8"?>
+<p:sld xmlns:a="http://schemas.openxmlformats.org/drawingml/2006/main" xmlns:r="http://schemas.openxmlformats.org/officeDocument/2006/relationships" xmlns:p="http://schemas.openxmlformats.org/presentationml/2006/main">
+  <p:cSld>
+    <p:spTree>
+      <p:nvGrpSpPr>
+        <p:cNvPr id="1" name=""/>
+        <p:cNvGrpSpPr/>
+        <p:nvPr/>
+      </p:nvGrpSpPr>
+      <p:grpSpPr>
+        <a:xfrm>
+          <a:off x="0" y="0"/>
+          <a:ext cx="0" cy="0"/>
+          <a:chOff x="0" y="0"/>
+          <a:chExt cx="0" cy="0"/>
+        </a:xfrm>
+      </p:grpSpPr>
+      <p:sp>
+        <p:nvSpPr>
+          <p:cNvPr id="2" name="Titel 1"/>
+          <p:cNvSpPr>
+            <a:spLocks noGrp="1"/>
+          </p:cNvSpPr>
+          <p:nvPr>
+            <p:ph type="title"/>
+          </p:nvPr>
+        </p:nvSpPr>
+        <p:spPr/>
+        <p:txBody>
+          <a:bodyPr/>
+          <a:lstStyle/>
+          <a:p>
+            <a:r>
+              <a:rPr lang="de-DE" dirty="0">
+                <a:solidFill>
+                  <a:srgbClr val="000000"/>
+                </a:solidFill>
+              </a:rPr>
+              <a:t>Special </a:t>
+            </a:r>
+            <a:r>
+              <a:rPr lang="de-DE" dirty="0" err="1">
+                <a:solidFill>
+                  <a:srgbClr val="000000"/>
+                </a:solidFill>
+              </a:rPr>
+              <a:t>Translated</a:t>
+            </a:r>
+            <a:r>
+              <a:rPr lang="de-DE" dirty="0">
+                <a:solidFill>
+                  <a:srgbClr val="000000"/>
+                </a:solidFill>
+              </a:rPr>
+              <a:t> </a:t>
+            </a:r>
+            <a:r>
+              <a:rPr lang="de-DE" dirty="0" smtClean="0">
+                <a:solidFill>
+                  <a:srgbClr val="000000"/>
+                </a:solidFill>
+              </a:rPr>
+              <a:t>Features </a:t>
+            </a:r>
+            <a:r>
+              <a:rPr lang="de-DE" sz="1800" dirty="0" smtClean="0">
+                <a:solidFill>
+                  <a:srgbClr val="000000"/>
+                </a:solidFill>
+              </a:rPr>
+              <a:t>2/2</a:t>
+            </a:r>
+            <a:endParaRPr lang="de-DE" sz="1800" dirty="0">
+              <a:solidFill>
+                <a:srgbClr val="000000"/>
+              </a:solidFill>
+            </a:endParaRPr>
+          </a:p>
+        </p:txBody>
+      </p:sp>
+      <p:sp>
+        <p:nvSpPr>
+          <p:cNvPr id="4" name="Textfeld 3"/>
+          <p:cNvSpPr txBox="1"/>
+          <p:nvPr/>
+        </p:nvSpPr>
+        <p:spPr>
+          <a:xfrm>
+            <a:off x="262293" y="6394081"/>
+            <a:ext cx="8006823" cy="307777"/>
+          </a:xfrm>
+          <a:prstGeom prst="rect">
+            <a:avLst/>
+          </a:prstGeom>
+          <a:noFill/>
+        </p:spPr>
+        <p:txBody>
+          <a:bodyPr wrap="square" rtlCol="0">
+            <a:spAutoFit/>
+          </a:bodyPr>
+          <a:lstStyle/>
+          <a:p>
+            <a:r>
+              <a:rPr lang="de-DE" sz="1400" dirty="0" smtClean="0"/>
+              <a:t>Jacob Rasmussen, Fabrizio </a:t>
+            </a:r>
+            <a:r>
+              <a:rPr lang="de-DE" sz="1400" dirty="0" err="1" smtClean="0"/>
+              <a:t>Parrillo</a:t>
+            </a:r>
+            <a:r>
+              <a:rPr lang="de-DE" sz="1400" dirty="0" smtClean="0"/>
+              <a:t>, Steffen Griesch				       04</a:t>
+            </a:r>
+            <a:r>
+              <a:rPr lang="de-DE" sz="1400" dirty="0"/>
+              <a:t>. Januar </a:t>
+            </a:r>
+            <a:r>
+              <a:rPr lang="de-DE" sz="1400" dirty="0" smtClean="0"/>
+              <a:t>2016</a:t>
+            </a:r>
+            <a:endParaRPr lang="de-DE" sz="1400" dirty="0"/>
+          </a:p>
+        </p:txBody>
+      </p:sp>
+      <p:pic>
+        <p:nvPicPr>
+          <p:cNvPr id="5" name="Inhaltsplatzhalter 4" descr="Screen Shot 2016-01-03 at 10.48.51.png"/>
+          <p:cNvPicPr>
+            <a:picLocks noGrp="1" noChangeAspect="1"/>
+          </p:cNvPicPr>
+          <p:nvPr>
+            <p:ph idx="1"/>
+          </p:nvPr>
+        </p:nvPicPr>
+        <p:blipFill>
+          <a:blip r:embed="rId2">
+            <a:extLst>
+              <a:ext uri="{28A0092B-C50C-407E-A947-70E740481C1C}">
+                <a14:useLocalDpi xmlns:a14="http://schemas.microsoft.com/office/drawing/2010/main" val="0"/>
+              </a:ext>
+            </a:extLst>
+          </a:blip>
+          <a:srcRect t="-10223" b="-10223"/>
+          <a:stretch>
+            <a:fillRect/>
+          </a:stretch>
+        </p:blipFill>
+        <p:spPr/>
+      </p:pic>
+    </p:spTree>
+    <p:extLst>
+      <p:ext uri="{BB962C8B-B14F-4D97-AF65-F5344CB8AC3E}">
+        <p14:creationId xmlns:p14="http://schemas.microsoft.com/office/powerpoint/2010/main" val="2776314525"/>
+      </p:ext>
+    </p:extLst>
+  </p:cSld>
+  <p:clrMapOvr>
+    <a:masterClrMapping/>
+  </p:clrMapOvr>
+  <p:timing>
+    <p:tnLst>
+      <p:par>
+        <p:cTn xmlns:p14="http://schemas.microsoft.com/office/powerpoint/2010/main" id="1" dur="indefinite" restart="never" nodeType="tmRoot"/>
+      </p:par>
+    </p:tnLst>
+  </p:timing>
+</p:sld>
+</file>
+
+<file path=ppt/slides/slide9.xml><?xml version="1.0" encoding="utf-8"?>
+<p:sld xmlns:a="http://schemas.openxmlformats.org/drawingml/2006/main" xmlns:r="http://schemas.openxmlformats.org/officeDocument/2006/relationships" xmlns:p="http://schemas.openxmlformats.org/presentationml/2006/main">
+  <p:cSld>
+    <p:spTree>
+      <p:nvGrpSpPr>
+        <p:cNvPr id="1" name=""/>
+        <p:cNvGrpSpPr/>
+        <p:nvPr/>
+      </p:nvGrpSpPr>
+      <p:grpSpPr>
+        <a:xfrm>
+          <a:off x="0" y="0"/>
+          <a:ext cx="0" cy="0"/>
+          <a:chOff x="0" y="0"/>
+          <a:chExt cx="0" cy="0"/>
+        </a:xfrm>
+      </p:grpSpPr>
+      <p:sp>
+        <p:nvSpPr>
+          <p:cNvPr id="2" name="Titel 1"/>
+          <p:cNvSpPr>
+            <a:spLocks noGrp="1"/>
+          </p:cNvSpPr>
+          <p:nvPr>
+            <p:ph type="title"/>
+          </p:nvPr>
+        </p:nvSpPr>
+        <p:spPr/>
+        <p:txBody>
+          <a:bodyPr/>
+          <a:lstStyle/>
+          <a:p>
+            <a:r>
+              <a:rPr lang="de-DE" dirty="0" smtClean="0">
+                <a:solidFill>
+                  <a:srgbClr val="000000"/>
+                </a:solidFill>
+              </a:rPr>
+              <a:t>Protein </a:t>
+            </a:r>
+            <a:r>
+              <a:rPr lang="de-DE" dirty="0" err="1" smtClean="0">
+                <a:solidFill>
+                  <a:srgbClr val="000000"/>
+                </a:solidFill>
+              </a:rPr>
+              <a:t>Coding</a:t>
+            </a:r>
+            <a:r>
+              <a:rPr lang="de-DE" dirty="0" smtClean="0">
+                <a:solidFill>
+                  <a:srgbClr val="000000"/>
+                </a:solidFill>
+              </a:rPr>
+              <a:t> Genes</a:t>
+            </a:r>
+            <a:endParaRPr lang="de-DE" dirty="0">
+              <a:solidFill>
+                <a:srgbClr val="000000"/>
+              </a:solidFill>
+            </a:endParaRPr>
+          </a:p>
+        </p:txBody>
+      </p:sp>
+      <p:pic>
+        <p:nvPicPr>
+          <p:cNvPr id="5" name="Inhaltsplatzhalter 4" descr="Screen Shot 2016-01-03 at 10.53.26.png"/>
+          <p:cNvPicPr>
+            <a:picLocks noGrp="1" noChangeAspect="1"/>
+          </p:cNvPicPr>
+          <p:nvPr>
+            <p:ph idx="1"/>
+          </p:nvPr>
+        </p:nvPicPr>
+        <p:blipFill rotWithShape="1">
+          <a:blip r:embed="rId2">
+            <a:extLst>
+              <a:ext uri="{28A0092B-C50C-407E-A947-70E740481C1C}">
+                <a14:useLocalDpi xmlns:a14="http://schemas.microsoft.com/office/drawing/2010/main" val="0"/>
+              </a:ext>
+            </a:extLst>
+          </a:blip>
+          <a:srcRect r="-20805" b="18436"/>
+          <a:stretch/>
+        </p:blipFill>
+        <p:spPr>
+          <a:xfrm>
+            <a:off x="457200" y="1600200"/>
+            <a:ext cx="7620000" cy="1236133"/>
+          </a:xfrm>
+        </p:spPr>
+      </p:pic>
+      <p:sp>
+        <p:nvSpPr>
+          <p:cNvPr id="4" name="Textfeld 3"/>
+          <p:cNvSpPr txBox="1"/>
+          <p:nvPr/>
+        </p:nvSpPr>
+        <p:spPr>
+          <a:xfrm>
+            <a:off x="262293" y="6394081"/>
+            <a:ext cx="8006823" cy="307777"/>
+          </a:xfrm>
+          <a:prstGeom prst="rect">
+            <a:avLst/>
+          </a:prstGeom>
+          <a:noFill/>
+        </p:spPr>
+        <p:txBody>
+          <a:bodyPr wrap="square" rtlCol="0">
+            <a:spAutoFit/>
+          </a:bodyPr>
+          <a:lstStyle/>
+          <a:p>
+            <a:r>
+              <a:rPr lang="de-DE" sz="1400" dirty="0" smtClean="0"/>
+              <a:t>Jacob Rasmussen, Fabrizio </a:t>
+            </a:r>
+            <a:r>
+              <a:rPr lang="de-DE" sz="1400" dirty="0" err="1" smtClean="0"/>
+              <a:t>Parrillo</a:t>
+            </a:r>
+            <a:r>
+              <a:rPr lang="de-DE" sz="1400" dirty="0" smtClean="0"/>
+              <a:t>, Steffen Griesch				       04</a:t>
+            </a:r>
+            <a:r>
+              <a:rPr lang="de-DE" sz="1400" dirty="0"/>
+              <a:t>. Januar </a:t>
+            </a:r>
+            <a:r>
+              <a:rPr lang="de-DE" sz="1400" dirty="0" smtClean="0"/>
+              <a:t>2016</a:t>
+            </a:r>
+            <a:endParaRPr lang="de-DE" sz="1400" dirty="0"/>
+          </a:p>
+        </p:txBody>
+      </p:sp>
+    </p:spTree>
+    <p:extLst>
+      <p:ext uri="{BB962C8B-B14F-4D97-AF65-F5344CB8AC3E}">
+        <p14:creationId xmlns:p14="http://schemas.microsoft.com/office/powerpoint/2010/main" val="1138648541"/>
       </p:ext>
     </p:extLst>
   </p:cSld>

--- a/Präsentation1.pptx
+++ b/Präsentation1.pptx
@@ -13,17 +13,17 @@
   <p:sldIdLst>
     <p:sldId id="256" r:id="rId2"/>
     <p:sldId id="257" r:id="rId3"/>
-    <p:sldId id="263" r:id="rId4"/>
-    <p:sldId id="270" r:id="rId5"/>
+    <p:sldId id="258" r:id="rId4"/>
+    <p:sldId id="263" r:id="rId5"/>
     <p:sldId id="261" r:id="rId6"/>
     <p:sldId id="269" r:id="rId7"/>
     <p:sldId id="260" r:id="rId8"/>
     <p:sldId id="262" r:id="rId9"/>
     <p:sldId id="264" r:id="rId10"/>
-    <p:sldId id="258" r:id="rId11"/>
+    <p:sldId id="271" r:id="rId11"/>
     <p:sldId id="266" r:id="rId12"/>
     <p:sldId id="267" r:id="rId13"/>
-    <p:sldId id="268" r:id="rId14"/>
+    <p:sldId id="270" r:id="rId14"/>
   </p:sldIdLst>
   <p:sldSz cx="9144000" cy="6858000" type="screen4x3"/>
   <p:notesSz cx="7010400" cy="9296400"/>
@@ -129,26 +129,27 @@
           <p14:sldIdLst>
             <p14:sldId id="256"/>
             <p14:sldId id="257"/>
+            <p14:sldId id="258"/>
             <p14:sldId id="263"/>
-            <p14:sldId id="270"/>
             <p14:sldId id="261"/>
             <p14:sldId id="269"/>
             <p14:sldId id="260"/>
             <p14:sldId id="262"/>
             <p14:sldId id="264"/>
-            <p14:sldId id="258"/>
-            <p14:sldId id="266"/>
-            <p14:sldId id="267"/>
-            <p14:sldId id="268"/>
+            <p14:sldId id="271"/>
           </p14:sldIdLst>
         </p14:section>
         <p14:section name="code Fabri" id="{F26662B9-F686-4EB2-AFC5-3E13FCE2EA0A}">
-          <p14:sldIdLst/>
+          <p14:sldIdLst>
+            <p14:sldId id="266"/>
+            <p14:sldId id="267"/>
+            <p14:sldId id="270"/>
+          </p14:sldIdLst>
         </p14:section>
       </p14:sectionLst>
     </p:ext>
     <p:ext uri="{EFAFB233-063F-42B5-8137-9DF3F51BA10A}">
-      <p15:sldGuideLst xmlns="" xmlns:p15="http://schemas.microsoft.com/office/powerpoint/2012/main">
+      <p15:sldGuideLst xmlns:p15="http://schemas.microsoft.com/office/powerpoint/2012/main">
         <p15:guide id="1" orient="horz" pos="2160">
           <p15:clr>
             <a:srgbClr val="A4A3A4"/>
@@ -247,7 +248,7 @@
           <a:p>
             <a:fld id="{3F4C3A6E-CB82-FD46-A432-61A8152958EE}" type="datetime1">
               <a:rPr lang="en-US" smtClean="0"/>
-              <a:t>04/01/16</a:t>
+              <a:t>1/4/2016</a:t>
             </a:fld>
             <a:endParaRPr lang="de-DE"/>
           </a:p>
@@ -413,7 +414,7 @@
           <a:p>
             <a:fld id="{B9C744D3-BC24-224F-8D25-B569B113FC24}" type="datetime1">
               <a:rPr lang="en-US" smtClean="0"/>
-              <a:t>04/01/16</a:t>
+              <a:t>1/4/2016</a:t>
             </a:fld>
             <a:endParaRPr lang="de-DE"/>
           </a:p>
@@ -960,7 +961,7 @@
           <a:p>
             <a:fld id="{A705285C-C403-094E-9200-37946A85578D}" type="datetime3">
               <a:rPr lang="en-US" smtClean="0"/>
-              <a:t>4 Januar 2016</a:t>
+              <a:t>4 January 2016</a:t>
             </a:fld>
             <a:endParaRPr lang="en-US"/>
           </a:p>
@@ -1126,7 +1127,7 @@
           <a:p>
             <a:fld id="{D86F0AB4-281F-AF4E-9E30-92123053E06D}" type="datetime3">
               <a:rPr lang="en-US" smtClean="0"/>
-              <a:t>4 Januar 2016</a:t>
+              <a:t>4 January 2016</a:t>
             </a:fld>
             <a:endParaRPr lang="en-US"/>
           </a:p>
@@ -1302,7 +1303,7 @@
           <a:p>
             <a:fld id="{2DE8B529-54E8-ED42-97D3-E193D303ADAE}" type="datetime3">
               <a:rPr lang="en-US" smtClean="0"/>
-              <a:t>4 Januar 2016</a:t>
+              <a:t>4 January 2016</a:t>
             </a:fld>
             <a:endParaRPr lang="en-US"/>
           </a:p>
@@ -1468,7 +1469,7 @@
           <a:p>
             <a:fld id="{DE84BC45-065A-9346-9A97-5D336E1AE3C7}" type="datetime3">
               <a:rPr lang="en-US" smtClean="0"/>
-              <a:t>4 Januar 2016</a:t>
+              <a:t>4 January 2016</a:t>
             </a:fld>
             <a:endParaRPr lang="en-US"/>
           </a:p>
@@ -1710,7 +1711,7 @@
           <a:p>
             <a:fld id="{5BA81605-74C8-FF4F-83F2-52CEDF4CADEB}" type="datetime3">
               <a:rPr lang="en-US" smtClean="0"/>
-              <a:t>4 Januar 2016</a:t>
+              <a:t>4 January 2016</a:t>
             </a:fld>
             <a:endParaRPr lang="en-US"/>
           </a:p>
@@ -1994,7 +1995,7 @@
           <a:p>
             <a:fld id="{BD663E2D-1302-8E40-90CF-FCB01891CD56}" type="datetime3">
               <a:rPr lang="en-US" smtClean="0"/>
-              <a:t>4 Januar 2016</a:t>
+              <a:t>4 January 2016</a:t>
             </a:fld>
             <a:endParaRPr lang="en-US"/>
           </a:p>
@@ -2424,7 +2425,7 @@
           <a:p>
             <a:fld id="{C5FB92D7-FD56-2643-B4B9-71D0210BB083}" type="datetime3">
               <a:rPr lang="en-US" smtClean="0"/>
-              <a:t>4 Januar 2016</a:t>
+              <a:t>4 January 2016</a:t>
             </a:fld>
             <a:endParaRPr lang="en-US"/>
           </a:p>
@@ -2538,7 +2539,7 @@
           <a:p>
             <a:fld id="{C4DFE371-9F75-1149-857C-C5E34287071C}" type="datetime3">
               <a:rPr lang="en-US" smtClean="0"/>
-              <a:t>4 Januar 2016</a:t>
+              <a:t>4 January 2016</a:t>
             </a:fld>
             <a:endParaRPr lang="en-US"/>
           </a:p>
@@ -2629,7 +2630,7 @@
           <a:p>
             <a:fld id="{65FAE0D6-5BE8-CF4E-9883-AD349C7E54AD}" type="datetime3">
               <a:rPr lang="en-US" smtClean="0"/>
-              <a:t>4 Januar 2016</a:t>
+              <a:t>4 January 2016</a:t>
             </a:fld>
             <a:endParaRPr lang="en-US"/>
           </a:p>
@@ -2819,7 +2820,7 @@
           <a:p>
             <a:fld id="{91AA9736-4F04-A64C-A0B7-AA5621E8B4B4}" type="datetime3">
               <a:rPr lang="en-US" smtClean="0"/>
-              <a:t>4 Januar 2016</a:t>
+              <a:t>4 January 2016</a:t>
             </a:fld>
             <a:endParaRPr lang="en-US"/>
           </a:p>
@@ -3138,7 +3139,7 @@
           <a:p>
             <a:fld id="{D7FA91B2-7C51-E84C-8E1D-157C5D543CA3}" type="datetime3">
               <a:rPr lang="en-US" smtClean="0"/>
-              <a:t>4 Januar 2016</a:t>
+              <a:t>4 January 2016</a:t>
             </a:fld>
             <a:endParaRPr lang="en-US" dirty="0"/>
           </a:p>
@@ -3519,7 +3520,7 @@
           <a:p>
             <a:fld id="{1A2B9556-1BBE-464B-9850-DB9F038F4448}" type="datetime3">
               <a:rPr lang="en-US" smtClean="0"/>
-              <a:t>4 Januar 2016</a:t>
+              <a:t>4 January 2016</a:t>
             </a:fld>
             <a:endParaRPr lang="en-US" dirty="0"/>
           </a:p>
@@ -4011,7 +4012,7 @@
   <p:timing>
     <p:tnLst>
       <p:par>
-        <p:cTn xmlns:p14="http://schemas.microsoft.com/office/powerpoint/2010/main" id="1" dur="indefinite" restart="never" nodeType="tmRoot"/>
+        <p:cTn id="1" dur="indefinite" restart="never" nodeType="tmRoot"/>
       </p:par>
     </p:tnLst>
   </p:timing>
@@ -4019,6 +4020,757 @@
 </file>
 
 <file path=ppt/slides/slide10.xml><?xml version="1.0" encoding="utf-8"?>
+<p:sld xmlns:a="http://schemas.openxmlformats.org/drawingml/2006/main" xmlns:r="http://schemas.openxmlformats.org/officeDocument/2006/relationships" xmlns:p="http://schemas.openxmlformats.org/presentationml/2006/main">
+  <p:cSld>
+    <p:spTree>
+      <p:nvGrpSpPr>
+        <p:cNvPr id="1" name=""/>
+        <p:cNvGrpSpPr/>
+        <p:nvPr/>
+      </p:nvGrpSpPr>
+      <p:grpSpPr>
+        <a:xfrm>
+          <a:off x="0" y="0"/>
+          <a:ext cx="0" cy="0"/>
+          <a:chOff x="0" y="0"/>
+          <a:chExt cx="0" cy="0"/>
+        </a:xfrm>
+      </p:grpSpPr>
+      <p:sp>
+        <p:nvSpPr>
+          <p:cNvPr id="2" name="Titel 1"/>
+          <p:cNvSpPr>
+            <a:spLocks noGrp="1"/>
+          </p:cNvSpPr>
+          <p:nvPr>
+            <p:ph type="title"/>
+          </p:nvPr>
+        </p:nvSpPr>
+        <p:spPr/>
+        <p:txBody>
+          <a:bodyPr/>
+          <a:lstStyle/>
+          <a:p>
+            <a:r>
+              <a:rPr lang="de-CH" dirty="0" smtClean="0"/>
+              <a:t>Resultat</a:t>
+            </a:r>
+            <a:endParaRPr lang="de-CH" dirty="0"/>
+          </a:p>
+        </p:txBody>
+      </p:sp>
+      <p:pic>
+        <p:nvPicPr>
+          <p:cNvPr id="5" name="Inhaltsplatzhalter 4">
+            <a:hlinkClick r:id="rId2" action="ppaction://hlinkfile"/>
+          </p:cNvPr>
+          <p:cNvPicPr>
+            <a:picLocks noGrp="1" noChangeAspect="1"/>
+          </p:cNvPicPr>
+          <p:nvPr>
+            <p:ph idx="1"/>
+          </p:nvPr>
+        </p:nvPicPr>
+        <p:blipFill>
+          <a:blip r:embed="rId3"/>
+          <a:stretch>
+            <a:fillRect/>
+          </a:stretch>
+        </p:blipFill>
+        <p:spPr>
+          <a:xfrm>
+            <a:off x="1687198" y="1600200"/>
+            <a:ext cx="5160003" cy="4800600"/>
+          </a:xfrm>
+          <a:prstGeom prst="rect">
+            <a:avLst/>
+          </a:prstGeom>
+        </p:spPr>
+      </p:pic>
+    </p:spTree>
+    <p:extLst>
+      <p:ext uri="{BB962C8B-B14F-4D97-AF65-F5344CB8AC3E}">
+        <p14:creationId xmlns:p14="http://schemas.microsoft.com/office/powerpoint/2010/main" val="2858491046"/>
+      </p:ext>
+    </p:extLst>
+  </p:cSld>
+  <p:clrMapOvr>
+    <a:masterClrMapping/>
+  </p:clrMapOvr>
+  <p:timing>
+    <p:tnLst>
+      <p:par>
+        <p:cTn id="1" dur="indefinite" restart="never" nodeType="tmRoot"/>
+      </p:par>
+    </p:tnLst>
+  </p:timing>
+</p:sld>
+</file>
+
+<file path=ppt/slides/slide11.xml><?xml version="1.0" encoding="utf-8"?>
+<p:sld xmlns:a="http://schemas.openxmlformats.org/drawingml/2006/main" xmlns:r="http://schemas.openxmlformats.org/officeDocument/2006/relationships" xmlns:p="http://schemas.openxmlformats.org/presentationml/2006/main">
+  <p:cSld>
+    <p:spTree>
+      <p:nvGrpSpPr>
+        <p:cNvPr id="1" name=""/>
+        <p:cNvGrpSpPr/>
+        <p:nvPr/>
+      </p:nvGrpSpPr>
+      <p:grpSpPr>
+        <a:xfrm>
+          <a:off x="0" y="0"/>
+          <a:ext cx="0" cy="0"/>
+          <a:chOff x="0" y="0"/>
+          <a:chExt cx="0" cy="0"/>
+        </a:xfrm>
+      </p:grpSpPr>
+      <p:pic>
+        <p:nvPicPr>
+          <p:cNvPr id="5" name="Inhaltsplatzhalter 4" descr="Screen Shot 2016-01-03 at 10.37.22.png">
+            <a:hlinkClick r:id="rId2" action="ppaction://hlinksldjump"/>
+          </p:cNvPr>
+          <p:cNvPicPr>
+            <a:picLocks noGrp="1" noChangeAspect="1"/>
+          </p:cNvPicPr>
+          <p:nvPr>
+            <p:ph idx="1"/>
+          </p:nvPr>
+        </p:nvPicPr>
+        <p:blipFill>
+          <a:blip r:embed="rId3" cstate="email">
+            <a:extLst>
+              <a:ext uri="{28A0092B-C50C-407E-A947-70E740481C1C}">
+                <a14:useLocalDpi xmlns:a14="http://schemas.microsoft.com/office/drawing/2010/main" val="0"/>
+              </a:ext>
+            </a:extLst>
+          </a:blip>
+          <a:srcRect t="-481" b="-481"/>
+          <a:stretch>
+            <a:fillRect/>
+          </a:stretch>
+        </p:blipFill>
+        <p:spPr>
+          <a:xfrm>
+            <a:off x="455704" y="635000"/>
+            <a:ext cx="7620000" cy="4800600"/>
+          </a:xfrm>
+        </p:spPr>
+      </p:pic>
+      <p:sp>
+        <p:nvSpPr>
+          <p:cNvPr id="4" name="Textfeld 3"/>
+          <p:cNvSpPr txBox="1"/>
+          <p:nvPr/>
+        </p:nvSpPr>
+        <p:spPr>
+          <a:xfrm>
+            <a:off x="262293" y="6394081"/>
+            <a:ext cx="8006823" cy="307777"/>
+          </a:xfrm>
+          <a:prstGeom prst="rect">
+            <a:avLst/>
+          </a:prstGeom>
+          <a:noFill/>
+        </p:spPr>
+        <p:txBody>
+          <a:bodyPr wrap="square" rtlCol="0">
+            <a:spAutoFit/>
+          </a:bodyPr>
+          <a:lstStyle/>
+          <a:p>
+            <a:r>
+              <a:rPr lang="de-DE" sz="1400" dirty="0" smtClean="0"/>
+              <a:t>Jacob Rasmussen, Fabrizio </a:t>
+            </a:r>
+            <a:r>
+              <a:rPr lang="de-DE" sz="1400" dirty="0" err="1" smtClean="0"/>
+              <a:t>Parrillo</a:t>
+            </a:r>
+            <a:r>
+              <a:rPr lang="de-DE" sz="1400" dirty="0" smtClean="0"/>
+              <a:t>, Steffen Griesch				       04</a:t>
+            </a:r>
+            <a:r>
+              <a:rPr lang="de-DE" sz="1400" dirty="0"/>
+              <a:t>. Januar </a:t>
+            </a:r>
+            <a:r>
+              <a:rPr lang="de-DE" sz="1400" dirty="0" smtClean="0"/>
+              <a:t>2016</a:t>
+            </a:r>
+            <a:endParaRPr lang="de-DE" sz="1400" dirty="0"/>
+          </a:p>
+        </p:txBody>
+      </p:sp>
+    </p:spTree>
+    <p:extLst>
+      <p:ext uri="{BB962C8B-B14F-4D97-AF65-F5344CB8AC3E}">
+        <p14:creationId xmlns:p14="http://schemas.microsoft.com/office/powerpoint/2010/main" val="3019483398"/>
+      </p:ext>
+    </p:extLst>
+  </p:cSld>
+  <p:clrMapOvr>
+    <a:masterClrMapping/>
+  </p:clrMapOvr>
+  <p:timing>
+    <p:tnLst>
+      <p:par>
+        <p:cTn id="1" dur="indefinite" restart="never" nodeType="tmRoot"/>
+      </p:par>
+    </p:tnLst>
+  </p:timing>
+</p:sld>
+</file>
+
+<file path=ppt/slides/slide12.xml><?xml version="1.0" encoding="utf-8"?>
+<p:sld xmlns:a="http://schemas.openxmlformats.org/drawingml/2006/main" xmlns:r="http://schemas.openxmlformats.org/officeDocument/2006/relationships" xmlns:p="http://schemas.openxmlformats.org/presentationml/2006/main">
+  <p:cSld>
+    <p:spTree>
+      <p:nvGrpSpPr>
+        <p:cNvPr id="1" name=""/>
+        <p:cNvGrpSpPr/>
+        <p:nvPr/>
+      </p:nvGrpSpPr>
+      <p:grpSpPr>
+        <a:xfrm>
+          <a:off x="0" y="0"/>
+          <a:ext cx="0" cy="0"/>
+          <a:chOff x="0" y="0"/>
+          <a:chExt cx="0" cy="0"/>
+        </a:xfrm>
+      </p:grpSpPr>
+      <p:sp>
+        <p:nvSpPr>
+          <p:cNvPr id="2" name="Titel 1"/>
+          <p:cNvSpPr>
+            <a:spLocks noGrp="1"/>
+          </p:cNvSpPr>
+          <p:nvPr>
+            <p:ph type="title"/>
+          </p:nvPr>
+        </p:nvSpPr>
+        <p:spPr/>
+        <p:txBody>
+          <a:bodyPr/>
+          <a:lstStyle/>
+          <a:p>
+            <a:r>
+              <a:rPr lang="de-DE" dirty="0">
+                <a:solidFill>
+                  <a:srgbClr val="000000"/>
+                </a:solidFill>
+              </a:rPr>
+              <a:t>Features </a:t>
+            </a:r>
+            <a:r>
+              <a:rPr lang="de-DE" sz="1800" dirty="0" smtClean="0">
+                <a:solidFill>
+                  <a:srgbClr val="000000"/>
+                </a:solidFill>
+              </a:rPr>
+              <a:t>2/</a:t>
+            </a:r>
+            <a:r>
+              <a:rPr lang="de-DE" sz="1800" dirty="0">
+                <a:solidFill>
+                  <a:srgbClr val="000000"/>
+                </a:solidFill>
+              </a:rPr>
+              <a:t>3</a:t>
+            </a:r>
+            <a:endParaRPr lang="de-DE" dirty="0">
+              <a:solidFill>
+                <a:srgbClr val="000000"/>
+              </a:solidFill>
+            </a:endParaRPr>
+          </a:p>
+        </p:txBody>
+      </p:sp>
+      <p:sp>
+        <p:nvSpPr>
+          <p:cNvPr id="4" name="Textfeld 3"/>
+          <p:cNvSpPr txBox="1"/>
+          <p:nvPr/>
+        </p:nvSpPr>
+        <p:spPr>
+          <a:xfrm>
+            <a:off x="262293" y="6394081"/>
+            <a:ext cx="8006823" cy="307777"/>
+          </a:xfrm>
+          <a:prstGeom prst="rect">
+            <a:avLst/>
+          </a:prstGeom>
+          <a:noFill/>
+        </p:spPr>
+        <p:txBody>
+          <a:bodyPr wrap="square" rtlCol="0">
+            <a:spAutoFit/>
+          </a:bodyPr>
+          <a:lstStyle/>
+          <a:p>
+            <a:r>
+              <a:rPr lang="de-DE" sz="1400" dirty="0" smtClean="0"/>
+              <a:t>Jacob Rasmussen, Fabrizio </a:t>
+            </a:r>
+            <a:r>
+              <a:rPr lang="de-DE" sz="1400" dirty="0" err="1" smtClean="0"/>
+              <a:t>Parrillo</a:t>
+            </a:r>
+            <a:r>
+              <a:rPr lang="de-DE" sz="1400" dirty="0" smtClean="0"/>
+              <a:t>, Steffen Griesch				       04</a:t>
+            </a:r>
+            <a:r>
+              <a:rPr lang="de-DE" sz="1400" dirty="0"/>
+              <a:t>. Januar </a:t>
+            </a:r>
+            <a:r>
+              <a:rPr lang="de-DE" sz="1400" dirty="0" smtClean="0"/>
+              <a:t>2016</a:t>
+            </a:r>
+            <a:endParaRPr lang="de-DE" sz="1400" dirty="0"/>
+          </a:p>
+        </p:txBody>
+      </p:sp>
+      <p:pic>
+        <p:nvPicPr>
+          <p:cNvPr id="5" name="Inhaltsplatzhalter 4" descr="Screen Shot 2016-01-03 at 10.42.59.png">
+            <a:hlinkClick r:id="rId2" action="ppaction://hlinksldjump"/>
+          </p:cNvPr>
+          <p:cNvPicPr>
+            <a:picLocks noGrp="1" noChangeAspect="1"/>
+          </p:cNvPicPr>
+          <p:nvPr>
+            <p:ph idx="1"/>
+          </p:nvPr>
+        </p:nvPicPr>
+        <p:blipFill rotWithShape="1">
+          <a:blip r:embed="rId3" cstate="email">
+            <a:extLst>
+              <a:ext uri="{28A0092B-C50C-407E-A947-70E740481C1C}">
+                <a14:useLocalDpi xmlns:a14="http://schemas.microsoft.com/office/drawing/2010/main" val="0"/>
+              </a:ext>
+            </a:extLst>
+          </a:blip>
+          <a:srcRect t="-1" b="348"/>
+          <a:stretch/>
+        </p:blipFill>
+        <p:spPr>
+          <a:xfrm>
+            <a:off x="455704" y="274638"/>
+            <a:ext cx="7620000" cy="2675467"/>
+          </a:xfrm>
+        </p:spPr>
+      </p:pic>
+      <p:pic>
+        <p:nvPicPr>
+          <p:cNvPr id="7" name="Inhaltsplatzhalter 4" descr="Screen Shot 2016-01-03 at 10.43.18.png">
+            <a:hlinkClick r:id="rId2" action="ppaction://hlinksldjump"/>
+          </p:cNvPr>
+          <p:cNvPicPr>
+            <a:picLocks noChangeAspect="1"/>
+          </p:cNvPicPr>
+          <p:nvPr/>
+        </p:nvPicPr>
+        <p:blipFill rotWithShape="1">
+          <a:blip r:embed="rId4" cstate="email">
+            <a:extLst>
+              <a:ext uri="{28A0092B-C50C-407E-A947-70E740481C1C}">
+                <a14:useLocalDpi xmlns:a14="http://schemas.microsoft.com/office/drawing/2010/main" val="0"/>
+              </a:ext>
+            </a:extLst>
+          </a:blip>
+          <a:srcRect r="-24844"/>
+          <a:stretch/>
+        </p:blipFill>
+        <p:spPr>
+          <a:xfrm>
+            <a:off x="711200" y="3183386"/>
+            <a:ext cx="6184900" cy="3210695"/>
+          </a:xfrm>
+          <a:prstGeom prst="rect">
+            <a:avLst/>
+          </a:prstGeom>
+        </p:spPr>
+      </p:pic>
+      <p:sp>
+        <p:nvSpPr>
+          <p:cNvPr id="6" name="Textfeld 5"/>
+          <p:cNvSpPr txBox="1"/>
+          <p:nvPr/>
+        </p:nvSpPr>
+        <p:spPr>
+          <a:xfrm>
+            <a:off x="711200" y="2657717"/>
+            <a:ext cx="880533" cy="584776"/>
+          </a:xfrm>
+          <a:prstGeom prst="rect">
+            <a:avLst/>
+          </a:prstGeom>
+          <a:noFill/>
+        </p:spPr>
+        <p:txBody>
+          <a:bodyPr wrap="square" rtlCol="0">
+            <a:spAutoFit/>
+          </a:bodyPr>
+          <a:lstStyle/>
+          <a:p>
+            <a:r>
+              <a:rPr lang="de-DE" sz="3200" dirty="0" smtClean="0"/>
+              <a:t>...</a:t>
+            </a:r>
+          </a:p>
+        </p:txBody>
+      </p:sp>
+    </p:spTree>
+    <p:extLst>
+      <p:ext uri="{BB962C8B-B14F-4D97-AF65-F5344CB8AC3E}">
+        <p14:creationId xmlns:p14="http://schemas.microsoft.com/office/powerpoint/2010/main" val="2155544902"/>
+      </p:ext>
+    </p:extLst>
+  </p:cSld>
+  <p:clrMapOvr>
+    <a:masterClrMapping/>
+  </p:clrMapOvr>
+  <p:timing>
+    <p:tnLst>
+      <p:par>
+        <p:cTn id="1" dur="indefinite" restart="never" nodeType="tmRoot"/>
+      </p:par>
+    </p:tnLst>
+  </p:timing>
+</p:sld>
+</file>
+
+<file path=ppt/slides/slide13.xml><?xml version="1.0" encoding="utf-8"?>
+<p:sld xmlns:a="http://schemas.openxmlformats.org/drawingml/2006/main" xmlns:r="http://schemas.openxmlformats.org/officeDocument/2006/relationships" xmlns:p="http://schemas.openxmlformats.org/presentationml/2006/main">
+  <p:cSld>
+    <p:spTree>
+      <p:nvGrpSpPr>
+        <p:cNvPr id="1" name=""/>
+        <p:cNvGrpSpPr/>
+        <p:nvPr/>
+      </p:nvGrpSpPr>
+      <p:grpSpPr>
+        <a:xfrm>
+          <a:off x="0" y="0"/>
+          <a:ext cx="0" cy="0"/>
+          <a:chOff x="0" y="0"/>
+          <a:chExt cx="0" cy="0"/>
+        </a:xfrm>
+      </p:grpSpPr>
+      <p:sp>
+        <p:nvSpPr>
+          <p:cNvPr id="4" name="Textfeld 3"/>
+          <p:cNvSpPr txBox="1"/>
+          <p:nvPr/>
+        </p:nvSpPr>
+        <p:spPr>
+          <a:xfrm>
+            <a:off x="262293" y="6394081"/>
+            <a:ext cx="8006823" cy="307777"/>
+          </a:xfrm>
+          <a:prstGeom prst="rect">
+            <a:avLst/>
+          </a:prstGeom>
+          <a:noFill/>
+        </p:spPr>
+        <p:txBody>
+          <a:bodyPr wrap="square" rtlCol="0">
+            <a:spAutoFit/>
+          </a:bodyPr>
+          <a:lstStyle/>
+          <a:p>
+            <a:r>
+              <a:rPr lang="de-DE" sz="1400" dirty="0" smtClean="0"/>
+              <a:t>Jacob Rasmussen, Fabrizio </a:t>
+            </a:r>
+            <a:r>
+              <a:rPr lang="de-DE" sz="1400" dirty="0" err="1" smtClean="0"/>
+              <a:t>Parrillo</a:t>
+            </a:r>
+            <a:r>
+              <a:rPr lang="de-DE" sz="1400" dirty="0" smtClean="0"/>
+              <a:t>, Steffen Griesch				       04</a:t>
+            </a:r>
+            <a:r>
+              <a:rPr lang="de-DE" sz="1400" dirty="0"/>
+              <a:t>. Januar </a:t>
+            </a:r>
+            <a:r>
+              <a:rPr lang="de-DE" sz="1400" dirty="0" smtClean="0"/>
+              <a:t>2016</a:t>
+            </a:r>
+            <a:endParaRPr lang="de-DE" sz="1400" dirty="0"/>
+          </a:p>
+        </p:txBody>
+      </p:sp>
+      <p:pic>
+        <p:nvPicPr>
+          <p:cNvPr id="5" name="Inhaltsplatzhalter 4" descr="Screen Shot 2016-01-04 at 12.04.59.png">
+            <a:hlinkClick r:id="rId2" action="ppaction://hlinksldjump"/>
+          </p:cNvPr>
+          <p:cNvPicPr>
+            <a:picLocks noGrp="1" noChangeAspect="1"/>
+          </p:cNvPicPr>
+          <p:nvPr>
+            <p:ph idx="1"/>
+          </p:nvPr>
+        </p:nvPicPr>
+        <p:blipFill>
+          <a:blip r:embed="rId3" cstate="email">
+            <a:extLst>
+              <a:ext uri="{28A0092B-C50C-407E-A947-70E740481C1C}">
+                <a14:useLocalDpi xmlns:a14="http://schemas.microsoft.com/office/drawing/2010/main" val="0"/>
+              </a:ext>
+            </a:extLst>
+          </a:blip>
+          <a:srcRect l="-8118" r="-8118"/>
+          <a:stretch>
+            <a:fillRect/>
+          </a:stretch>
+        </p:blipFill>
+        <p:spPr>
+          <a:xfrm>
+            <a:off x="262292" y="726439"/>
+            <a:ext cx="8089227" cy="5096213"/>
+          </a:xfrm>
+        </p:spPr>
+      </p:pic>
+    </p:spTree>
+    <p:extLst>
+      <p:ext uri="{BB962C8B-B14F-4D97-AF65-F5344CB8AC3E}">
+        <p14:creationId xmlns:p14="http://schemas.microsoft.com/office/powerpoint/2010/main" val="2699341207"/>
+      </p:ext>
+    </p:extLst>
+  </p:cSld>
+  <p:clrMapOvr>
+    <a:masterClrMapping/>
+  </p:clrMapOvr>
+  <p:timing>
+    <p:tnLst>
+      <p:par>
+        <p:cTn id="1" dur="indefinite" restart="never" nodeType="tmRoot"/>
+      </p:par>
+    </p:tnLst>
+  </p:timing>
+</p:sld>
+</file>
+
+<file path=ppt/slides/slide2.xml><?xml version="1.0" encoding="utf-8"?>
+<p:sld xmlns:a="http://schemas.openxmlformats.org/drawingml/2006/main" xmlns:r="http://schemas.openxmlformats.org/officeDocument/2006/relationships" xmlns:p="http://schemas.openxmlformats.org/presentationml/2006/main">
+  <p:cSld>
+    <p:spTree>
+      <p:nvGrpSpPr>
+        <p:cNvPr id="1" name=""/>
+        <p:cNvGrpSpPr/>
+        <p:nvPr/>
+      </p:nvGrpSpPr>
+      <p:grpSpPr>
+        <a:xfrm>
+          <a:off x="0" y="0"/>
+          <a:ext cx="0" cy="0"/>
+          <a:chOff x="0" y="0"/>
+          <a:chExt cx="0" cy="0"/>
+        </a:xfrm>
+      </p:grpSpPr>
+      <p:sp>
+        <p:nvSpPr>
+          <p:cNvPr id="2" name="Titel 1"/>
+          <p:cNvSpPr>
+            <a:spLocks noGrp="1"/>
+          </p:cNvSpPr>
+          <p:nvPr>
+            <p:ph type="title"/>
+          </p:nvPr>
+        </p:nvSpPr>
+        <p:spPr/>
+        <p:txBody>
+          <a:bodyPr/>
+          <a:lstStyle/>
+          <a:p>
+            <a:r>
+              <a:rPr lang="de-DE" dirty="0" smtClean="0">
+                <a:solidFill>
+                  <a:srgbClr val="000000"/>
+                </a:solidFill>
+              </a:rPr>
+              <a:t>Aufgabenstellung</a:t>
+            </a:r>
+            <a:endParaRPr lang="de-DE" dirty="0">
+              <a:solidFill>
+                <a:srgbClr val="000000"/>
+              </a:solidFill>
+            </a:endParaRPr>
+          </a:p>
+        </p:txBody>
+      </p:sp>
+      <p:sp>
+        <p:nvSpPr>
+          <p:cNvPr id="3" name="Inhaltsplatzhalter 2"/>
+          <p:cNvSpPr>
+            <a:spLocks noGrp="1"/>
+          </p:cNvSpPr>
+          <p:nvPr>
+            <p:ph idx="1"/>
+          </p:nvPr>
+        </p:nvSpPr>
+        <p:spPr/>
+        <p:txBody>
+          <a:bodyPr/>
+          <a:lstStyle/>
+          <a:p>
+            <a:r>
+              <a:rPr lang="de-DE" dirty="0" smtClean="0"/>
+              <a:t>Analyse der </a:t>
+            </a:r>
+            <a:r>
+              <a:rPr lang="de-DE" dirty="0" err="1" smtClean="0"/>
+              <a:t>Nukleotidsequenz</a:t>
+            </a:r>
+            <a:r>
+              <a:rPr lang="de-DE" dirty="0" smtClean="0"/>
+              <a:t> eines Plasmid</a:t>
+            </a:r>
+          </a:p>
+          <a:p>
+            <a:r>
+              <a:rPr lang="de-DE" dirty="0"/>
+              <a:t>Erkennung aller genetischen </a:t>
+            </a:r>
+            <a:r>
+              <a:rPr lang="de-DE" dirty="0" smtClean="0"/>
+              <a:t>Merkmale</a:t>
+            </a:r>
+          </a:p>
+          <a:p>
+            <a:pPr lvl="1"/>
+            <a:r>
+              <a:rPr lang="de-DE" sz="1800" dirty="0" smtClean="0"/>
+              <a:t>Common Features</a:t>
+            </a:r>
+          </a:p>
+          <a:p>
+            <a:pPr lvl="1"/>
+            <a:r>
+              <a:rPr lang="de-DE" sz="1800" dirty="0" smtClean="0"/>
+              <a:t>Primer Binding Sites</a:t>
+            </a:r>
+          </a:p>
+          <a:p>
+            <a:pPr lvl="1"/>
+            <a:r>
+              <a:rPr lang="de-DE" sz="1800" dirty="0" smtClean="0"/>
+              <a:t>Special </a:t>
+            </a:r>
+            <a:r>
+              <a:rPr lang="de-DE" sz="1800" dirty="0" err="1" smtClean="0"/>
+              <a:t>Translated</a:t>
+            </a:r>
+            <a:r>
+              <a:rPr lang="de-DE" sz="1800" dirty="0" smtClean="0"/>
+              <a:t> Features</a:t>
+            </a:r>
+          </a:p>
+          <a:p>
+            <a:pPr lvl="1"/>
+            <a:r>
+              <a:rPr lang="de-DE" sz="1800" dirty="0" smtClean="0"/>
+              <a:t>Protein </a:t>
+            </a:r>
+            <a:r>
+              <a:rPr lang="de-DE" sz="1800" dirty="0" err="1" smtClean="0"/>
+              <a:t>Coding</a:t>
+            </a:r>
+            <a:r>
+              <a:rPr lang="de-DE" sz="1800" dirty="0" smtClean="0"/>
+              <a:t> Genes</a:t>
+            </a:r>
+          </a:p>
+          <a:p>
+            <a:r>
+              <a:rPr lang="de-DE" dirty="0" smtClean="0"/>
+              <a:t>Erstellen eines </a:t>
+            </a:r>
+            <a:r>
+              <a:rPr lang="de-DE" dirty="0" err="1" smtClean="0"/>
+              <a:t>GenBank</a:t>
+            </a:r>
+            <a:r>
+              <a:rPr lang="de-DE" dirty="0" smtClean="0"/>
+              <a:t> Files mit Notation</a:t>
+            </a:r>
+            <a:endParaRPr lang="de-DE" dirty="0"/>
+          </a:p>
+        </p:txBody>
+      </p:sp>
+      <p:sp>
+        <p:nvSpPr>
+          <p:cNvPr id="4" name="Textfeld 3"/>
+          <p:cNvSpPr txBox="1"/>
+          <p:nvPr/>
+        </p:nvSpPr>
+        <p:spPr>
+          <a:xfrm>
+            <a:off x="262293" y="6394081"/>
+            <a:ext cx="8006823" cy="307777"/>
+          </a:xfrm>
+          <a:prstGeom prst="rect">
+            <a:avLst/>
+          </a:prstGeom>
+          <a:noFill/>
+        </p:spPr>
+        <p:txBody>
+          <a:bodyPr wrap="square" rtlCol="0">
+            <a:spAutoFit/>
+          </a:bodyPr>
+          <a:lstStyle/>
+          <a:p>
+            <a:r>
+              <a:rPr lang="de-DE" sz="1400" dirty="0" smtClean="0"/>
+              <a:t>Jacob Rasmussen, Fabrizio </a:t>
+            </a:r>
+            <a:r>
+              <a:rPr lang="de-DE" sz="1400" dirty="0" err="1" smtClean="0"/>
+              <a:t>Parrillo</a:t>
+            </a:r>
+            <a:r>
+              <a:rPr lang="de-DE" sz="1400" dirty="0" smtClean="0"/>
+              <a:t>, Steffen Griesch				       04</a:t>
+            </a:r>
+            <a:r>
+              <a:rPr lang="de-DE" sz="1400" dirty="0"/>
+              <a:t>. Januar </a:t>
+            </a:r>
+            <a:r>
+              <a:rPr lang="de-DE" sz="1400" dirty="0" smtClean="0"/>
+              <a:t>2016</a:t>
+            </a:r>
+            <a:endParaRPr lang="de-DE" sz="1400" dirty="0"/>
+          </a:p>
+        </p:txBody>
+      </p:sp>
+    </p:spTree>
+    <p:extLst>
+      <p:ext uri="{BB962C8B-B14F-4D97-AF65-F5344CB8AC3E}">
+        <p14:creationId xmlns:p14="http://schemas.microsoft.com/office/powerpoint/2010/main" val="700676440"/>
+      </p:ext>
+    </p:extLst>
+  </p:cSld>
+  <p:clrMapOvr>
+    <a:masterClrMapping/>
+  </p:clrMapOvr>
+  <p:timing>
+    <p:tnLst>
+      <p:par>
+        <p:cTn id="1" dur="indefinite" restart="never" nodeType="tmRoot"/>
+      </p:par>
+    </p:tnLst>
+  </p:timing>
+</p:sld>
+</file>
+
+<file path=ppt/slides/slide3.xml><?xml version="1.0" encoding="utf-8"?>
 <p:sld xmlns:a="http://schemas.openxmlformats.org/drawingml/2006/main" xmlns:r="http://schemas.openxmlformats.org/officeDocument/2006/relationships" xmlns:p="http://schemas.openxmlformats.org/presentationml/2006/main">
   <p:cSld>
     <p:spTree>
@@ -4168,6 +4920,52 @@
           </a:p>
         </p:txBody>
       </p:sp>
+      <p:sp>
+        <p:nvSpPr>
+          <p:cNvPr id="9" name="Rechteck 8">
+            <a:hlinkHover r:id="rId5" action="ppaction://hlinksldjump"/>
+          </p:cNvPr>
+          <p:cNvSpPr/>
+          <p:nvPr/>
+        </p:nvSpPr>
+        <p:spPr>
+          <a:xfrm>
+            <a:off x="5527040" y="4765040"/>
+            <a:ext cx="2214880" cy="1442720"/>
+          </a:xfrm>
+          <a:prstGeom prst="rect">
+            <a:avLst/>
+          </a:prstGeom>
+          <a:noFill/>
+          <a:ln>
+            <a:noFill/>
+          </a:ln>
+        </p:spPr>
+        <p:style>
+          <a:lnRef idx="2">
+            <a:schemeClr val="accent1">
+              <a:shade val="50000"/>
+            </a:schemeClr>
+          </a:lnRef>
+          <a:fillRef idx="1">
+            <a:schemeClr val="accent1"/>
+          </a:fillRef>
+          <a:effectRef idx="0">
+            <a:schemeClr val="accent1"/>
+          </a:effectRef>
+          <a:fontRef idx="minor">
+            <a:schemeClr val="lt1"/>
+          </a:fontRef>
+        </p:style>
+        <p:txBody>
+          <a:bodyPr rtlCol="0" anchor="ctr"/>
+          <a:lstStyle/>
+          <a:p>
+            <a:pPr algn="ctr"/>
+            <a:endParaRPr lang="de-CH"/>
+          </a:p>
+        </p:txBody>
+      </p:sp>
     </p:spTree>
     <p:extLst>
       <p:ext uri="{BB962C8B-B14F-4D97-AF65-F5344CB8AC3E}">
@@ -4181,892 +4979,7 @@
   <p:timing>
     <p:tnLst>
       <p:par>
-        <p:cTn xmlns:p14="http://schemas.microsoft.com/office/powerpoint/2010/main" id="1" dur="indefinite" restart="never" nodeType="tmRoot"/>
-      </p:par>
-    </p:tnLst>
-  </p:timing>
-</p:sld>
-</file>
-
-<file path=ppt/slides/slide11.xml><?xml version="1.0" encoding="utf-8"?>
-<p:sld xmlns:a="http://schemas.openxmlformats.org/drawingml/2006/main" xmlns:r="http://schemas.openxmlformats.org/officeDocument/2006/relationships" xmlns:p="http://schemas.openxmlformats.org/presentationml/2006/main">
-  <p:cSld>
-    <p:spTree>
-      <p:nvGrpSpPr>
-        <p:cNvPr id="1" name=""/>
-        <p:cNvGrpSpPr/>
-        <p:nvPr/>
-      </p:nvGrpSpPr>
-      <p:grpSpPr>
-        <a:xfrm>
-          <a:off x="0" y="0"/>
-          <a:ext cx="0" cy="0"/>
-          <a:chOff x="0" y="0"/>
-          <a:chExt cx="0" cy="0"/>
-        </a:xfrm>
-      </p:grpSpPr>
-      <p:sp>
-        <p:nvSpPr>
-          <p:cNvPr id="2" name="Titel 1"/>
-          <p:cNvSpPr>
-            <a:spLocks noGrp="1"/>
-          </p:cNvSpPr>
-          <p:nvPr>
-            <p:ph type="title"/>
-          </p:nvPr>
-        </p:nvSpPr>
-        <p:spPr/>
-        <p:txBody>
-          <a:bodyPr/>
-          <a:lstStyle/>
-          <a:p>
-            <a:r>
-              <a:rPr lang="de-DE" dirty="0" smtClean="0">
-                <a:solidFill>
-                  <a:srgbClr val="000000"/>
-                </a:solidFill>
-              </a:rPr>
-              <a:t>Features </a:t>
-            </a:r>
-            <a:r>
-              <a:rPr lang="de-DE" sz="1800" dirty="0" smtClean="0">
-                <a:solidFill>
-                  <a:srgbClr val="000000"/>
-                </a:solidFill>
-              </a:rPr>
-              <a:t>1/3</a:t>
-            </a:r>
-            <a:endParaRPr lang="de-DE" sz="1800" dirty="0">
-              <a:solidFill>
-                <a:srgbClr val="000000"/>
-              </a:solidFill>
-            </a:endParaRPr>
-          </a:p>
-        </p:txBody>
-      </p:sp>
-      <p:pic>
-        <p:nvPicPr>
-          <p:cNvPr id="5" name="Inhaltsplatzhalter 4" descr="Screen Shot 2016-01-03 at 10.37.22.png"/>
-          <p:cNvPicPr>
-            <a:picLocks noGrp="1" noChangeAspect="1"/>
-          </p:cNvPicPr>
-          <p:nvPr>
-            <p:ph idx="1"/>
-          </p:nvPr>
-        </p:nvPicPr>
-        <p:blipFill>
-          <a:blip r:embed="rId2">
-            <a:extLst>
-              <a:ext uri="{28A0092B-C50C-407E-A947-70E740481C1C}">
-                <a14:useLocalDpi xmlns:a14="http://schemas.microsoft.com/office/drawing/2010/main" val="0"/>
-              </a:ext>
-            </a:extLst>
-          </a:blip>
-          <a:srcRect t="-481" b="-481"/>
-          <a:stretch>
-            <a:fillRect/>
-          </a:stretch>
-        </p:blipFill>
-        <p:spPr/>
-      </p:pic>
-      <p:sp>
-        <p:nvSpPr>
-          <p:cNvPr id="4" name="Textfeld 3"/>
-          <p:cNvSpPr txBox="1"/>
-          <p:nvPr/>
-        </p:nvSpPr>
-        <p:spPr>
-          <a:xfrm>
-            <a:off x="262293" y="6394081"/>
-            <a:ext cx="8006823" cy="307777"/>
-          </a:xfrm>
-          <a:prstGeom prst="rect">
-            <a:avLst/>
-          </a:prstGeom>
-          <a:noFill/>
-        </p:spPr>
-        <p:txBody>
-          <a:bodyPr wrap="square" rtlCol="0">
-            <a:spAutoFit/>
-          </a:bodyPr>
-          <a:lstStyle/>
-          <a:p>
-            <a:r>
-              <a:rPr lang="de-DE" sz="1400" dirty="0" smtClean="0"/>
-              <a:t>Jacob Rasmussen, Fabrizio </a:t>
-            </a:r>
-            <a:r>
-              <a:rPr lang="de-DE" sz="1400" dirty="0" err="1" smtClean="0"/>
-              <a:t>Parrillo</a:t>
-            </a:r>
-            <a:r>
-              <a:rPr lang="de-DE" sz="1400" dirty="0" smtClean="0"/>
-              <a:t>, Steffen Griesch				       04</a:t>
-            </a:r>
-            <a:r>
-              <a:rPr lang="de-DE" sz="1400" dirty="0"/>
-              <a:t>. Januar </a:t>
-            </a:r>
-            <a:r>
-              <a:rPr lang="de-DE" sz="1400" dirty="0" smtClean="0"/>
-              <a:t>2016</a:t>
-            </a:r>
-            <a:endParaRPr lang="de-DE" sz="1400" dirty="0"/>
-          </a:p>
-        </p:txBody>
-      </p:sp>
-    </p:spTree>
-    <p:extLst>
-      <p:ext uri="{BB962C8B-B14F-4D97-AF65-F5344CB8AC3E}">
-        <p14:creationId xmlns:p14="http://schemas.microsoft.com/office/powerpoint/2010/main" val="3019483398"/>
-      </p:ext>
-    </p:extLst>
-  </p:cSld>
-  <p:clrMapOvr>
-    <a:masterClrMapping/>
-  </p:clrMapOvr>
-  <p:timing>
-    <p:tnLst>
-      <p:par>
-        <p:cTn xmlns:p14="http://schemas.microsoft.com/office/powerpoint/2010/main" id="1" dur="indefinite" restart="never" nodeType="tmRoot"/>
-      </p:par>
-    </p:tnLst>
-  </p:timing>
-</p:sld>
-</file>
-
-<file path=ppt/slides/slide12.xml><?xml version="1.0" encoding="utf-8"?>
-<p:sld xmlns:a="http://schemas.openxmlformats.org/drawingml/2006/main" xmlns:r="http://schemas.openxmlformats.org/officeDocument/2006/relationships" xmlns:p="http://schemas.openxmlformats.org/presentationml/2006/main">
-  <p:cSld>
-    <p:spTree>
-      <p:nvGrpSpPr>
-        <p:cNvPr id="1" name=""/>
-        <p:cNvGrpSpPr/>
-        <p:nvPr/>
-      </p:nvGrpSpPr>
-      <p:grpSpPr>
-        <a:xfrm>
-          <a:off x="0" y="0"/>
-          <a:ext cx="0" cy="0"/>
-          <a:chOff x="0" y="0"/>
-          <a:chExt cx="0" cy="0"/>
-        </a:xfrm>
-      </p:grpSpPr>
-      <p:sp>
-        <p:nvSpPr>
-          <p:cNvPr id="2" name="Titel 1"/>
-          <p:cNvSpPr>
-            <a:spLocks noGrp="1"/>
-          </p:cNvSpPr>
-          <p:nvPr>
-            <p:ph type="title"/>
-          </p:nvPr>
-        </p:nvSpPr>
-        <p:spPr/>
-        <p:txBody>
-          <a:bodyPr/>
-          <a:lstStyle/>
-          <a:p>
-            <a:r>
-              <a:rPr lang="de-DE" dirty="0">
-                <a:solidFill>
-                  <a:srgbClr val="000000"/>
-                </a:solidFill>
-              </a:rPr>
-              <a:t>Features </a:t>
-            </a:r>
-            <a:r>
-              <a:rPr lang="de-DE" sz="1800" dirty="0" smtClean="0">
-                <a:solidFill>
-                  <a:srgbClr val="000000"/>
-                </a:solidFill>
-              </a:rPr>
-              <a:t>2/</a:t>
-            </a:r>
-            <a:r>
-              <a:rPr lang="de-DE" sz="1800" dirty="0">
-                <a:solidFill>
-                  <a:srgbClr val="000000"/>
-                </a:solidFill>
-              </a:rPr>
-              <a:t>3</a:t>
-            </a:r>
-            <a:endParaRPr lang="de-DE" dirty="0">
-              <a:solidFill>
-                <a:srgbClr val="000000"/>
-              </a:solidFill>
-            </a:endParaRPr>
-          </a:p>
-        </p:txBody>
-      </p:sp>
-      <p:pic>
-        <p:nvPicPr>
-          <p:cNvPr id="5" name="Inhaltsplatzhalter 4" descr="Screen Shot 2016-01-03 at 10.42.59.png"/>
-          <p:cNvPicPr>
-            <a:picLocks noGrp="1" noChangeAspect="1"/>
-          </p:cNvPicPr>
-          <p:nvPr>
-            <p:ph idx="1"/>
-          </p:nvPr>
-        </p:nvPicPr>
-        <p:blipFill rotWithShape="1">
-          <a:blip r:embed="rId2">
-            <a:extLst>
-              <a:ext uri="{28A0092B-C50C-407E-A947-70E740481C1C}">
-                <a14:useLocalDpi xmlns:a14="http://schemas.microsoft.com/office/drawing/2010/main" val="0"/>
-              </a:ext>
-            </a:extLst>
-          </a:blip>
-          <a:srcRect t="-1" b="348"/>
-          <a:stretch/>
-        </p:blipFill>
-        <p:spPr>
-          <a:xfrm>
-            <a:off x="457200" y="1600200"/>
-            <a:ext cx="7620000" cy="2675467"/>
-          </a:xfrm>
-        </p:spPr>
-      </p:pic>
-      <p:sp>
-        <p:nvSpPr>
-          <p:cNvPr id="4" name="Textfeld 3"/>
-          <p:cNvSpPr txBox="1"/>
-          <p:nvPr/>
-        </p:nvSpPr>
-        <p:spPr>
-          <a:xfrm>
-            <a:off x="262293" y="6394081"/>
-            <a:ext cx="8006823" cy="307777"/>
-          </a:xfrm>
-          <a:prstGeom prst="rect">
-            <a:avLst/>
-          </a:prstGeom>
-          <a:noFill/>
-        </p:spPr>
-        <p:txBody>
-          <a:bodyPr wrap="square" rtlCol="0">
-            <a:spAutoFit/>
-          </a:bodyPr>
-          <a:lstStyle/>
-          <a:p>
-            <a:r>
-              <a:rPr lang="de-DE" sz="1400" dirty="0" smtClean="0"/>
-              <a:t>Jacob Rasmussen, Fabrizio </a:t>
-            </a:r>
-            <a:r>
-              <a:rPr lang="de-DE" sz="1400" dirty="0" err="1" smtClean="0"/>
-              <a:t>Parrillo</a:t>
-            </a:r>
-            <a:r>
-              <a:rPr lang="de-DE" sz="1400" dirty="0" smtClean="0"/>
-              <a:t>, Steffen Griesch				       04</a:t>
-            </a:r>
-            <a:r>
-              <a:rPr lang="de-DE" sz="1400" dirty="0"/>
-              <a:t>. Januar </a:t>
-            </a:r>
-            <a:r>
-              <a:rPr lang="de-DE" sz="1400" dirty="0" smtClean="0"/>
-              <a:t>2016</a:t>
-            </a:r>
-            <a:endParaRPr lang="de-DE" sz="1400" dirty="0"/>
-          </a:p>
-        </p:txBody>
-      </p:sp>
-      <p:sp>
-        <p:nvSpPr>
-          <p:cNvPr id="6" name="Textfeld 5"/>
-          <p:cNvSpPr txBox="1"/>
-          <p:nvPr/>
-        </p:nvSpPr>
-        <p:spPr>
-          <a:xfrm>
-            <a:off x="711200" y="4783667"/>
-            <a:ext cx="880533" cy="584776"/>
-          </a:xfrm>
-          <a:prstGeom prst="rect">
-            <a:avLst/>
-          </a:prstGeom>
-          <a:noFill/>
-        </p:spPr>
-        <p:txBody>
-          <a:bodyPr wrap="square" rtlCol="0">
-            <a:spAutoFit/>
-          </a:bodyPr>
-          <a:lstStyle/>
-          <a:p>
-            <a:r>
-              <a:rPr lang="de-DE" sz="3200" dirty="0" smtClean="0"/>
-              <a:t>...</a:t>
-            </a:r>
-          </a:p>
-        </p:txBody>
-      </p:sp>
-    </p:spTree>
-    <p:extLst>
-      <p:ext uri="{BB962C8B-B14F-4D97-AF65-F5344CB8AC3E}">
-        <p14:creationId xmlns:p14="http://schemas.microsoft.com/office/powerpoint/2010/main" val="2155544902"/>
-      </p:ext>
-    </p:extLst>
-  </p:cSld>
-  <p:clrMapOvr>
-    <a:masterClrMapping/>
-  </p:clrMapOvr>
-  <p:timing>
-    <p:tnLst>
-      <p:par>
-        <p:cTn xmlns:p14="http://schemas.microsoft.com/office/powerpoint/2010/main" id="1" dur="indefinite" restart="never" nodeType="tmRoot"/>
-      </p:par>
-    </p:tnLst>
-  </p:timing>
-</p:sld>
-</file>
-
-<file path=ppt/slides/slide13.xml><?xml version="1.0" encoding="utf-8"?>
-<p:sld xmlns:a="http://schemas.openxmlformats.org/drawingml/2006/main" xmlns:r="http://schemas.openxmlformats.org/officeDocument/2006/relationships" xmlns:p="http://schemas.openxmlformats.org/presentationml/2006/main">
-  <p:cSld>
-    <p:spTree>
-      <p:nvGrpSpPr>
-        <p:cNvPr id="1" name=""/>
-        <p:cNvGrpSpPr/>
-        <p:nvPr/>
-      </p:nvGrpSpPr>
-      <p:grpSpPr>
-        <a:xfrm>
-          <a:off x="0" y="0"/>
-          <a:ext cx="0" cy="0"/>
-          <a:chOff x="0" y="0"/>
-          <a:chExt cx="0" cy="0"/>
-        </a:xfrm>
-      </p:grpSpPr>
-      <p:sp>
-        <p:nvSpPr>
-          <p:cNvPr id="2" name="Titel 1"/>
-          <p:cNvSpPr>
-            <a:spLocks noGrp="1"/>
-          </p:cNvSpPr>
-          <p:nvPr>
-            <p:ph type="title"/>
-          </p:nvPr>
-        </p:nvSpPr>
-        <p:spPr/>
-        <p:txBody>
-          <a:bodyPr/>
-          <a:lstStyle/>
-          <a:p>
-            <a:r>
-              <a:rPr lang="de-DE" dirty="0">
-                <a:solidFill>
-                  <a:srgbClr val="000000"/>
-                </a:solidFill>
-              </a:rPr>
-              <a:t>Features </a:t>
-            </a:r>
-            <a:r>
-              <a:rPr lang="de-DE" sz="1800" dirty="0" smtClean="0">
-                <a:solidFill>
-                  <a:srgbClr val="000000"/>
-                </a:solidFill>
-              </a:rPr>
-              <a:t>3/</a:t>
-            </a:r>
-            <a:r>
-              <a:rPr lang="de-DE" sz="1800" dirty="0">
-                <a:solidFill>
-                  <a:srgbClr val="000000"/>
-                </a:solidFill>
-              </a:rPr>
-              <a:t>3</a:t>
-            </a:r>
-            <a:endParaRPr lang="de-DE" dirty="0">
-              <a:solidFill>
-                <a:srgbClr val="000000"/>
-              </a:solidFill>
-            </a:endParaRPr>
-          </a:p>
-        </p:txBody>
-      </p:sp>
-      <p:pic>
-        <p:nvPicPr>
-          <p:cNvPr id="5" name="Inhaltsplatzhalter 4" descr="Screen Shot 2016-01-03 at 10.43.18.png"/>
-          <p:cNvPicPr>
-            <a:picLocks noGrp="1" noChangeAspect="1"/>
-          </p:cNvPicPr>
-          <p:nvPr>
-            <p:ph idx="1"/>
-          </p:nvPr>
-        </p:nvPicPr>
-        <p:blipFill rotWithShape="1">
-          <a:blip r:embed="rId2">
-            <a:extLst>
-              <a:ext uri="{28A0092B-C50C-407E-A947-70E740481C1C}">
-                <a14:useLocalDpi xmlns:a14="http://schemas.microsoft.com/office/drawing/2010/main" val="0"/>
-              </a:ext>
-            </a:extLst>
-          </a:blip>
-          <a:srcRect r="-24844"/>
-          <a:stretch/>
-        </p:blipFill>
-        <p:spPr>
-          <a:xfrm>
-            <a:off x="457200" y="2463800"/>
-            <a:ext cx="7620000" cy="3955681"/>
-          </a:xfrm>
-        </p:spPr>
-      </p:pic>
-      <p:sp>
-        <p:nvSpPr>
-          <p:cNvPr id="4" name="Textfeld 3"/>
-          <p:cNvSpPr txBox="1"/>
-          <p:nvPr/>
-        </p:nvSpPr>
-        <p:spPr>
-          <a:xfrm>
-            <a:off x="262293" y="6394081"/>
-            <a:ext cx="8006823" cy="307777"/>
-          </a:xfrm>
-          <a:prstGeom prst="rect">
-            <a:avLst/>
-          </a:prstGeom>
-          <a:noFill/>
-        </p:spPr>
-        <p:txBody>
-          <a:bodyPr wrap="square" rtlCol="0">
-            <a:spAutoFit/>
-          </a:bodyPr>
-          <a:lstStyle/>
-          <a:p>
-            <a:r>
-              <a:rPr lang="de-DE" sz="1400" dirty="0" smtClean="0"/>
-              <a:t>Jacob Rasmussen, Fabrizio </a:t>
-            </a:r>
-            <a:r>
-              <a:rPr lang="de-DE" sz="1400" dirty="0" err="1" smtClean="0"/>
-              <a:t>Parrillo</a:t>
-            </a:r>
-            <a:r>
-              <a:rPr lang="de-DE" sz="1400" dirty="0" smtClean="0"/>
-              <a:t>, Steffen Griesch				       04</a:t>
-            </a:r>
-            <a:r>
-              <a:rPr lang="de-DE" sz="1400" dirty="0"/>
-              <a:t>. Januar </a:t>
-            </a:r>
-            <a:r>
-              <a:rPr lang="de-DE" sz="1400" dirty="0" smtClean="0"/>
-              <a:t>2016</a:t>
-            </a:r>
-            <a:endParaRPr lang="de-DE" sz="1400" dirty="0"/>
-          </a:p>
-        </p:txBody>
-      </p:sp>
-      <p:sp>
-        <p:nvSpPr>
-          <p:cNvPr id="6" name="Textfeld 5"/>
-          <p:cNvSpPr txBox="1"/>
-          <p:nvPr/>
-        </p:nvSpPr>
-        <p:spPr>
-          <a:xfrm>
-            <a:off x="982133" y="1566334"/>
-            <a:ext cx="1456267" cy="584776"/>
-          </a:xfrm>
-          <a:prstGeom prst="rect">
-            <a:avLst/>
-          </a:prstGeom>
-          <a:noFill/>
-        </p:spPr>
-        <p:txBody>
-          <a:bodyPr wrap="square" rtlCol="0">
-            <a:spAutoFit/>
-          </a:bodyPr>
-          <a:lstStyle/>
-          <a:p>
-            <a:r>
-              <a:rPr lang="de-DE" sz="3200" dirty="0" smtClean="0"/>
-              <a:t>...</a:t>
-            </a:r>
-            <a:endParaRPr lang="de-DE" sz="3200" dirty="0"/>
-          </a:p>
-        </p:txBody>
-      </p:sp>
-    </p:spTree>
-    <p:extLst>
-      <p:ext uri="{BB962C8B-B14F-4D97-AF65-F5344CB8AC3E}">
-        <p14:creationId xmlns:p14="http://schemas.microsoft.com/office/powerpoint/2010/main" val="1101186789"/>
-      </p:ext>
-    </p:extLst>
-  </p:cSld>
-  <p:clrMapOvr>
-    <a:masterClrMapping/>
-  </p:clrMapOvr>
-  <p:timing>
-    <p:tnLst>
-      <p:par>
-        <p:cTn xmlns:p14="http://schemas.microsoft.com/office/powerpoint/2010/main" id="1" dur="indefinite" restart="never" nodeType="tmRoot"/>
-      </p:par>
-    </p:tnLst>
-  </p:timing>
-</p:sld>
-</file>
-
-<file path=ppt/slides/slide2.xml><?xml version="1.0" encoding="utf-8"?>
-<p:sld xmlns:a="http://schemas.openxmlformats.org/drawingml/2006/main" xmlns:r="http://schemas.openxmlformats.org/officeDocument/2006/relationships" xmlns:p="http://schemas.openxmlformats.org/presentationml/2006/main">
-  <p:cSld>
-    <p:spTree>
-      <p:nvGrpSpPr>
-        <p:cNvPr id="1" name=""/>
-        <p:cNvGrpSpPr/>
-        <p:nvPr/>
-      </p:nvGrpSpPr>
-      <p:grpSpPr>
-        <a:xfrm>
-          <a:off x="0" y="0"/>
-          <a:ext cx="0" cy="0"/>
-          <a:chOff x="0" y="0"/>
-          <a:chExt cx="0" cy="0"/>
-        </a:xfrm>
-      </p:grpSpPr>
-      <p:sp>
-        <p:nvSpPr>
-          <p:cNvPr id="2" name="Titel 1"/>
-          <p:cNvSpPr>
-            <a:spLocks noGrp="1"/>
-          </p:cNvSpPr>
-          <p:nvPr>
-            <p:ph type="title"/>
-          </p:nvPr>
-        </p:nvSpPr>
-        <p:spPr/>
-        <p:txBody>
-          <a:bodyPr/>
-          <a:lstStyle/>
-          <a:p>
-            <a:r>
-              <a:rPr lang="de-DE" dirty="0" smtClean="0">
-                <a:solidFill>
-                  <a:srgbClr val="000000"/>
-                </a:solidFill>
-              </a:rPr>
-              <a:t>Aufgabenstellung</a:t>
-            </a:r>
-            <a:endParaRPr lang="de-DE" dirty="0">
-              <a:solidFill>
-                <a:srgbClr val="000000"/>
-              </a:solidFill>
-            </a:endParaRPr>
-          </a:p>
-        </p:txBody>
-      </p:sp>
-      <p:sp>
-        <p:nvSpPr>
-          <p:cNvPr id="3" name="Inhaltsplatzhalter 2"/>
-          <p:cNvSpPr>
-            <a:spLocks noGrp="1"/>
-          </p:cNvSpPr>
-          <p:nvPr>
-            <p:ph idx="1"/>
-          </p:nvPr>
-        </p:nvSpPr>
-        <p:spPr/>
-        <p:txBody>
-          <a:bodyPr/>
-          <a:lstStyle/>
-          <a:p>
-            <a:r>
-              <a:rPr lang="de-DE" dirty="0" smtClean="0"/>
-              <a:t>Analyse der </a:t>
-            </a:r>
-            <a:r>
-              <a:rPr lang="de-DE" dirty="0" err="1" smtClean="0"/>
-              <a:t>Nukleotidsequenz</a:t>
-            </a:r>
-            <a:r>
-              <a:rPr lang="de-DE" dirty="0" smtClean="0"/>
-              <a:t> eines Plasmid</a:t>
-            </a:r>
-          </a:p>
-          <a:p>
-            <a:r>
-              <a:rPr lang="de-DE" dirty="0"/>
-              <a:t>Erkennung aller genetischen </a:t>
-            </a:r>
-            <a:r>
-              <a:rPr lang="de-DE" dirty="0" smtClean="0"/>
-              <a:t>Merkmale</a:t>
-            </a:r>
-          </a:p>
-          <a:p>
-            <a:pPr lvl="1"/>
-            <a:r>
-              <a:rPr lang="de-DE" sz="1800" dirty="0" smtClean="0"/>
-              <a:t>Common Features</a:t>
-            </a:r>
-          </a:p>
-          <a:p>
-            <a:pPr lvl="1"/>
-            <a:r>
-              <a:rPr lang="de-DE" sz="1800" dirty="0" smtClean="0"/>
-              <a:t>Primer Binding Sites</a:t>
-            </a:r>
-          </a:p>
-          <a:p>
-            <a:pPr lvl="1"/>
-            <a:r>
-              <a:rPr lang="de-DE" sz="1800" dirty="0" smtClean="0"/>
-              <a:t>Special </a:t>
-            </a:r>
-            <a:r>
-              <a:rPr lang="de-DE" sz="1800" dirty="0" err="1" smtClean="0"/>
-              <a:t>Translated</a:t>
-            </a:r>
-            <a:r>
-              <a:rPr lang="de-DE" sz="1800" dirty="0" smtClean="0"/>
-              <a:t> Features</a:t>
-            </a:r>
-          </a:p>
-          <a:p>
-            <a:pPr lvl="1"/>
-            <a:r>
-              <a:rPr lang="de-DE" sz="1800" dirty="0" smtClean="0"/>
-              <a:t>Protein </a:t>
-            </a:r>
-            <a:r>
-              <a:rPr lang="de-DE" sz="1800" dirty="0" err="1" smtClean="0"/>
-              <a:t>Coding</a:t>
-            </a:r>
-            <a:r>
-              <a:rPr lang="de-DE" sz="1800" dirty="0" smtClean="0"/>
-              <a:t> Genes</a:t>
-            </a:r>
-          </a:p>
-          <a:p>
-            <a:r>
-              <a:rPr lang="de-DE" dirty="0" smtClean="0"/>
-              <a:t>Erstellen eines </a:t>
-            </a:r>
-            <a:r>
-              <a:rPr lang="de-DE" dirty="0" err="1" smtClean="0"/>
-              <a:t>GenBank</a:t>
-            </a:r>
-            <a:r>
-              <a:rPr lang="de-DE" dirty="0" smtClean="0"/>
-              <a:t> Files mit Notation</a:t>
-            </a:r>
-            <a:endParaRPr lang="de-DE" dirty="0"/>
-          </a:p>
-        </p:txBody>
-      </p:sp>
-      <p:sp>
-        <p:nvSpPr>
-          <p:cNvPr id="4" name="Textfeld 3"/>
-          <p:cNvSpPr txBox="1"/>
-          <p:nvPr/>
-        </p:nvSpPr>
-        <p:spPr>
-          <a:xfrm>
-            <a:off x="262293" y="6394081"/>
-            <a:ext cx="8006823" cy="307777"/>
-          </a:xfrm>
-          <a:prstGeom prst="rect">
-            <a:avLst/>
-          </a:prstGeom>
-          <a:noFill/>
-        </p:spPr>
-        <p:txBody>
-          <a:bodyPr wrap="square" rtlCol="0">
-            <a:spAutoFit/>
-          </a:bodyPr>
-          <a:lstStyle/>
-          <a:p>
-            <a:r>
-              <a:rPr lang="de-DE" sz="1400" dirty="0" smtClean="0"/>
-              <a:t>Jacob Rasmussen, Fabrizio </a:t>
-            </a:r>
-            <a:r>
-              <a:rPr lang="de-DE" sz="1400" dirty="0" err="1" smtClean="0"/>
-              <a:t>Parrillo</a:t>
-            </a:r>
-            <a:r>
-              <a:rPr lang="de-DE" sz="1400" dirty="0" smtClean="0"/>
-              <a:t>, Steffen Griesch				       04</a:t>
-            </a:r>
-            <a:r>
-              <a:rPr lang="de-DE" sz="1400" dirty="0"/>
-              <a:t>. Januar </a:t>
-            </a:r>
-            <a:r>
-              <a:rPr lang="de-DE" sz="1400" dirty="0" smtClean="0"/>
-              <a:t>2016</a:t>
-            </a:r>
-            <a:endParaRPr lang="de-DE" sz="1400" dirty="0"/>
-          </a:p>
-        </p:txBody>
-      </p:sp>
-    </p:spTree>
-    <p:extLst>
-      <p:ext uri="{BB962C8B-B14F-4D97-AF65-F5344CB8AC3E}">
-        <p14:creationId xmlns:p14="http://schemas.microsoft.com/office/powerpoint/2010/main" val="700676440"/>
-      </p:ext>
-    </p:extLst>
-  </p:cSld>
-  <p:clrMapOvr>
-    <a:masterClrMapping/>
-  </p:clrMapOvr>
-  <p:timing>
-    <p:tnLst>
-      <p:par>
-        <p:cTn xmlns:p14="http://schemas.microsoft.com/office/powerpoint/2010/main" id="1" dur="indefinite" restart="never" nodeType="tmRoot"/>
-      </p:par>
-    </p:tnLst>
-  </p:timing>
-</p:sld>
-</file>
-
-<file path=ppt/slides/slide3.xml><?xml version="1.0" encoding="utf-8"?>
-<p:sld xmlns:a="http://schemas.openxmlformats.org/drawingml/2006/main" xmlns:r="http://schemas.openxmlformats.org/officeDocument/2006/relationships" xmlns:p="http://schemas.openxmlformats.org/presentationml/2006/main">
-  <p:cSld>
-    <p:spTree>
-      <p:nvGrpSpPr>
-        <p:cNvPr id="1" name=""/>
-        <p:cNvGrpSpPr/>
-        <p:nvPr/>
-      </p:nvGrpSpPr>
-      <p:grpSpPr>
-        <a:xfrm>
-          <a:off x="0" y="0"/>
-          <a:ext cx="0" cy="0"/>
-          <a:chOff x="0" y="0"/>
-          <a:chExt cx="0" cy="0"/>
-        </a:xfrm>
-      </p:grpSpPr>
-      <p:sp>
-        <p:nvSpPr>
-          <p:cNvPr id="2" name="Titel 1"/>
-          <p:cNvSpPr>
-            <a:spLocks noGrp="1"/>
-          </p:cNvSpPr>
-          <p:nvPr>
-            <p:ph type="title"/>
-          </p:nvPr>
-        </p:nvSpPr>
-        <p:spPr/>
-        <p:txBody>
-          <a:bodyPr/>
-          <a:lstStyle/>
-          <a:p>
-            <a:r>
-              <a:rPr lang="de-DE" dirty="0" err="1" smtClean="0">
-                <a:solidFill>
-                  <a:srgbClr val="000000"/>
-                </a:solidFill>
-              </a:rPr>
-              <a:t>Generate</a:t>
-            </a:r>
-            <a:r>
-              <a:rPr lang="de-DE" dirty="0" smtClean="0">
-                <a:solidFill>
-                  <a:srgbClr val="000000"/>
-                </a:solidFill>
-              </a:rPr>
-              <a:t> &amp; Pickle</a:t>
-            </a:r>
-            <a:endParaRPr lang="de-DE" dirty="0">
-              <a:solidFill>
-                <a:srgbClr val="000000"/>
-              </a:solidFill>
-            </a:endParaRPr>
-          </a:p>
-        </p:txBody>
-      </p:sp>
-      <p:pic>
-        <p:nvPicPr>
-          <p:cNvPr id="6" name="Inhaltsplatzhalter 5" descr="Screen Shot 2016-01-04 at 12.03.39.png"/>
-          <p:cNvPicPr>
-            <a:picLocks noGrp="1" noChangeAspect="1"/>
-          </p:cNvPicPr>
-          <p:nvPr>
-            <p:ph idx="1"/>
-          </p:nvPr>
-        </p:nvPicPr>
-        <p:blipFill rotWithShape="1">
-          <a:blip r:embed="rId2">
-            <a:extLst>
-              <a:ext uri="{28A0092B-C50C-407E-A947-70E740481C1C}">
-                <a14:useLocalDpi xmlns:a14="http://schemas.microsoft.com/office/drawing/2010/main" val="0"/>
-              </a:ext>
-            </a:extLst>
-          </a:blip>
-          <a:srcRect b="-2488"/>
-          <a:stretch/>
-        </p:blipFill>
-        <p:spPr>
-          <a:xfrm>
-            <a:off x="457200" y="1600200"/>
-            <a:ext cx="7620000" cy="2781300"/>
-          </a:xfrm>
-        </p:spPr>
-      </p:pic>
-      <p:sp>
-        <p:nvSpPr>
-          <p:cNvPr id="4" name="Textfeld 3"/>
-          <p:cNvSpPr txBox="1"/>
-          <p:nvPr/>
-        </p:nvSpPr>
-        <p:spPr>
-          <a:xfrm>
-            <a:off x="262293" y="6394081"/>
-            <a:ext cx="8006823" cy="307777"/>
-          </a:xfrm>
-          <a:prstGeom prst="rect">
-            <a:avLst/>
-          </a:prstGeom>
-          <a:noFill/>
-        </p:spPr>
-        <p:txBody>
-          <a:bodyPr wrap="square" rtlCol="0">
-            <a:spAutoFit/>
-          </a:bodyPr>
-          <a:lstStyle/>
-          <a:p>
-            <a:r>
-              <a:rPr lang="de-DE" sz="1400" dirty="0" smtClean="0"/>
-              <a:t>Jacob Rasmussen, Fabrizio </a:t>
-            </a:r>
-            <a:r>
-              <a:rPr lang="de-DE" sz="1400" dirty="0" err="1" smtClean="0"/>
-              <a:t>Parrillo</a:t>
-            </a:r>
-            <a:r>
-              <a:rPr lang="de-DE" sz="1400" dirty="0" smtClean="0"/>
-              <a:t>, Steffen Griesch				       04</a:t>
-            </a:r>
-            <a:r>
-              <a:rPr lang="de-DE" sz="1400" dirty="0"/>
-              <a:t>. Januar </a:t>
-            </a:r>
-            <a:r>
-              <a:rPr lang="de-DE" sz="1400" dirty="0" smtClean="0"/>
-              <a:t>2016</a:t>
-            </a:r>
-            <a:endParaRPr lang="de-DE" sz="1400" dirty="0"/>
-          </a:p>
-        </p:txBody>
-      </p:sp>
-    </p:spTree>
-    <p:extLst>
-      <p:ext uri="{BB962C8B-B14F-4D97-AF65-F5344CB8AC3E}">
-        <p14:creationId xmlns:p14="http://schemas.microsoft.com/office/powerpoint/2010/main" val="1059521747"/>
-      </p:ext>
-    </p:extLst>
-  </p:cSld>
-  <p:clrMapOvr>
-    <a:masterClrMapping/>
-  </p:clrMapOvr>
-  <p:timing>
-    <p:tnLst>
-      <p:par>
-        <p:cTn xmlns:p14="http://schemas.microsoft.com/office/powerpoint/2010/main" id="1" dur="indefinite" restart="never" nodeType="tmRoot"/>
+        <p:cTn id="1" dur="indefinite" restart="never" nodeType="tmRoot"/>
       </p:par>
     </p:tnLst>
   </p:timing>
@@ -5106,12 +5019,20 @@
           <a:lstStyle/>
           <a:p>
             <a:r>
+              <a:rPr lang="de-DE" dirty="0" err="1" smtClean="0">
+                <a:solidFill>
+                  <a:srgbClr val="000000"/>
+                </a:solidFill>
+              </a:rPr>
+              <a:t>Generate</a:t>
+            </a:r>
+            <a:r>
               <a:rPr lang="de-DE" dirty="0" smtClean="0">
                 <a:solidFill>
                   <a:srgbClr val="000000"/>
                 </a:solidFill>
               </a:rPr>
-              <a:t>Remove</a:t>
+              <a:t> &amp; Pickle</a:t>
             </a:r>
             <a:endParaRPr lang="de-DE" dirty="0">
               <a:solidFill>
@@ -5121,6 +5042,34 @@
           </a:p>
         </p:txBody>
       </p:sp>
+      <p:pic>
+        <p:nvPicPr>
+          <p:cNvPr id="6" name="Inhaltsplatzhalter 5" descr="Screen Shot 2016-01-04 at 12.03.39.png"/>
+          <p:cNvPicPr>
+            <a:picLocks noGrp="1" noChangeAspect="1"/>
+          </p:cNvPicPr>
+          <p:nvPr>
+            <p:ph idx="1"/>
+          </p:nvPr>
+        </p:nvPicPr>
+        <p:blipFill rotWithShape="1">
+          <a:blip r:embed="rId2" cstate="email">
+            <a:extLst>
+              <a:ext uri="{28A0092B-C50C-407E-A947-70E740481C1C}">
+                <a14:useLocalDpi xmlns:a14="http://schemas.microsoft.com/office/drawing/2010/main" val="0"/>
+              </a:ext>
+            </a:extLst>
+          </a:blip>
+          <a:srcRect b="-2488"/>
+          <a:stretch/>
+        </p:blipFill>
+        <p:spPr>
+          <a:xfrm>
+            <a:off x="457200" y="1600200"/>
+            <a:ext cx="7620000" cy="2781300"/>
+          </a:xfrm>
+        </p:spPr>
+      </p:pic>
       <p:sp>
         <p:nvSpPr>
           <p:cNvPr id="4" name="Textfeld 3"/>
@@ -5167,35 +5116,10 @@
           </a:p>
         </p:txBody>
       </p:sp>
-      <p:pic>
-        <p:nvPicPr>
-          <p:cNvPr id="5" name="Inhaltsplatzhalter 4" descr="Screen Shot 2016-01-04 at 12.04.59.png"/>
-          <p:cNvPicPr>
-            <a:picLocks noGrp="1" noChangeAspect="1"/>
-          </p:cNvPicPr>
-          <p:nvPr>
-            <p:ph idx="1"/>
-          </p:nvPr>
-        </p:nvPicPr>
-        <p:blipFill>
-          <a:blip r:embed="rId2">
-            <a:extLst>
-              <a:ext uri="{28A0092B-C50C-407E-A947-70E740481C1C}">
-                <a14:useLocalDpi xmlns:a14="http://schemas.microsoft.com/office/drawing/2010/main" val="0"/>
-              </a:ext>
-            </a:extLst>
-          </a:blip>
-          <a:srcRect l="-8118" r="-8118"/>
-          <a:stretch>
-            <a:fillRect/>
-          </a:stretch>
-        </p:blipFill>
-        <p:spPr/>
-      </p:pic>
     </p:spTree>
     <p:extLst>
       <p:ext uri="{BB962C8B-B14F-4D97-AF65-F5344CB8AC3E}">
-        <p14:creationId xmlns:p14="http://schemas.microsoft.com/office/powerpoint/2010/main" val="2699341207"/>
+        <p14:creationId xmlns:p14="http://schemas.microsoft.com/office/powerpoint/2010/main" val="1059521747"/>
       </p:ext>
     </p:extLst>
   </p:cSld>
@@ -5205,7 +5129,7 @@
   <p:timing>
     <p:tnLst>
       <p:par>
-        <p:cTn xmlns:p14="http://schemas.microsoft.com/office/powerpoint/2010/main" id="1" dur="indefinite" restart="never" nodeType="tmRoot"/>
+        <p:cTn id="1" dur="indefinite" restart="never" nodeType="tmRoot"/>
       </p:par>
     </p:tnLst>
   </p:timing>
@@ -5352,7 +5276,7 @@
   <p:timing>
     <p:tnLst>
       <p:par>
-        <p:cTn xmlns:p14="http://schemas.microsoft.com/office/powerpoint/2010/main" id="1" dur="indefinite" restart="never" nodeType="tmRoot"/>
+        <p:cTn id="1" dur="indefinite" restart="never" nodeType="tmRoot"/>
       </p:par>
     </p:tnLst>
   </p:timing>
@@ -5502,7 +5426,7 @@
   <p:timing>
     <p:tnLst>
       <p:par>
-        <p:cTn xmlns:p14="http://schemas.microsoft.com/office/powerpoint/2010/main" id="1" dur="indefinite" restart="never" nodeType="tmRoot"/>
+        <p:cTn id="1" dur="indefinite" restart="never" nodeType="tmRoot"/>
       </p:par>
     </p:tnLst>
   </p:timing>
@@ -5638,7 +5562,7 @@
           </p:nvPr>
         </p:nvPicPr>
         <p:blipFill>
-          <a:blip r:embed="rId2">
+          <a:blip r:embed="rId2" cstate="email">
             <a:extLst>
               <a:ext uri="{28A0092B-C50C-407E-A947-70E740481C1C}">
                 <a14:useLocalDpi xmlns:a14="http://schemas.microsoft.com/office/drawing/2010/main" val="0"/>
@@ -5665,7 +5589,7 @@
   <p:timing>
     <p:tnLst>
       <p:par>
-        <p:cTn xmlns:p14="http://schemas.microsoft.com/office/powerpoint/2010/main" id="1" dur="indefinite" restart="never" nodeType="tmRoot"/>
+        <p:cTn id="1" dur="indefinite" restart="never" nodeType="tmRoot"/>
       </p:par>
     </p:tnLst>
   </p:timing>
@@ -5836,7 +5760,7 @@
   <p:timing>
     <p:tnLst>
       <p:par>
-        <p:cTn xmlns:p14="http://schemas.microsoft.com/office/powerpoint/2010/main" id="1" dur="indefinite" restart="never" nodeType="tmRoot"/>
+        <p:cTn id="1" dur="indefinite" restart="never" nodeType="tmRoot"/>
       </p:par>
     </p:tnLst>
   </p:timing>
@@ -5994,7 +5918,7 @@
   <p:timing>
     <p:tnLst>
       <p:par>
-        <p:cTn xmlns:p14="http://schemas.microsoft.com/office/powerpoint/2010/main" id="1" dur="indefinite" restart="never" nodeType="tmRoot"/>
+        <p:cTn id="1" dur="indefinite" restart="never" nodeType="tmRoot"/>
       </p:par>
     </p:tnLst>
   </p:timing>
